--- a/Pjt_docs/Map Analysis Project.pptx
+++ b/Pjt_docs/Map Analysis Project.pptx
@@ -11,30 +11,32 @@
     <p:sldId id="266" r:id="rId5"/>
     <p:sldId id="267" r:id="rId6"/>
     <p:sldId id="259" r:id="rId7"/>
-    <p:sldId id="260" r:id="rId8"/>
-    <p:sldId id="261" r:id="rId9"/>
-    <p:sldId id="262" r:id="rId10"/>
-    <p:sldId id="263" r:id="rId11"/>
-    <p:sldId id="285" r:id="rId12"/>
-    <p:sldId id="269" r:id="rId13"/>
-    <p:sldId id="270" r:id="rId14"/>
-    <p:sldId id="271" r:id="rId15"/>
-    <p:sldId id="273" r:id="rId16"/>
-    <p:sldId id="272" r:id="rId17"/>
-    <p:sldId id="264" r:id="rId18"/>
-    <p:sldId id="274" r:id="rId19"/>
-    <p:sldId id="275" r:id="rId20"/>
-    <p:sldId id="276" r:id="rId21"/>
-    <p:sldId id="277" r:id="rId22"/>
-    <p:sldId id="278" r:id="rId23"/>
-    <p:sldId id="265" r:id="rId24"/>
-    <p:sldId id="279" r:id="rId25"/>
-    <p:sldId id="284" r:id="rId26"/>
-    <p:sldId id="280" r:id="rId27"/>
-    <p:sldId id="282" r:id="rId28"/>
-    <p:sldId id="281" r:id="rId29"/>
-    <p:sldId id="283" r:id="rId30"/>
-    <p:sldId id="268" r:id="rId31"/>
+    <p:sldId id="286" r:id="rId8"/>
+    <p:sldId id="260" r:id="rId9"/>
+    <p:sldId id="261" r:id="rId10"/>
+    <p:sldId id="262" r:id="rId11"/>
+    <p:sldId id="263" r:id="rId12"/>
+    <p:sldId id="285" r:id="rId13"/>
+    <p:sldId id="269" r:id="rId14"/>
+    <p:sldId id="270" r:id="rId15"/>
+    <p:sldId id="271" r:id="rId16"/>
+    <p:sldId id="273" r:id="rId17"/>
+    <p:sldId id="272" r:id="rId18"/>
+    <p:sldId id="264" r:id="rId19"/>
+    <p:sldId id="274" r:id="rId20"/>
+    <p:sldId id="275" r:id="rId21"/>
+    <p:sldId id="276" r:id="rId22"/>
+    <p:sldId id="277" r:id="rId23"/>
+    <p:sldId id="278" r:id="rId24"/>
+    <p:sldId id="265" r:id="rId25"/>
+    <p:sldId id="279" r:id="rId26"/>
+    <p:sldId id="284" r:id="rId27"/>
+    <p:sldId id="280" r:id="rId28"/>
+    <p:sldId id="282" r:id="rId29"/>
+    <p:sldId id="281" r:id="rId30"/>
+    <p:sldId id="283" r:id="rId31"/>
+    <p:sldId id="268" r:id="rId32"/>
+    <p:sldId id="287" r:id="rId33"/>
   </p:sldIdLst>
   <p:sldSz cx="12192000" cy="6858000"/>
   <p:notesSz cx="6858000" cy="9144000"/>
@@ -476,7 +478,7 @@
           <a:p>
             <a:fld id="{52D79E99-1DA8-4063-8CAF-DEE23AAE75FD}" type="datetimeFigureOut">
               <a:rPr lang="en-US" smtClean="0"/>
-              <a:t>3/6/2019</a:t>
+              <a:t>3/7/2019</a:t>
             </a:fld>
             <a:endParaRPr lang="en-US"/>
           </a:p>
@@ -1564,7 +1566,7 @@
           <a:p>
             <a:fld id="{52D79E99-1DA8-4063-8CAF-DEE23AAE75FD}" type="datetimeFigureOut">
               <a:rPr lang="en-US" smtClean="0"/>
-              <a:t>3/6/2019</a:t>
+              <a:t>3/7/2019</a:t>
             </a:fld>
             <a:endParaRPr lang="en-US"/>
           </a:p>
@@ -2544,7 +2546,7 @@
           <a:p>
             <a:fld id="{52D79E99-1DA8-4063-8CAF-DEE23AAE75FD}" type="datetimeFigureOut">
               <a:rPr lang="en-US" smtClean="0"/>
-              <a:t>3/6/2019</a:t>
+              <a:t>3/7/2019</a:t>
             </a:fld>
             <a:endParaRPr lang="en-US"/>
           </a:p>
@@ -3678,7 +3680,7 @@
           <a:p>
             <a:fld id="{52D79E99-1DA8-4063-8CAF-DEE23AAE75FD}" type="datetimeFigureOut">
               <a:rPr lang="en-US" smtClean="0"/>
-              <a:t>3/6/2019</a:t>
+              <a:t>3/7/2019</a:t>
             </a:fld>
             <a:endParaRPr lang="en-US"/>
           </a:p>
@@ -4711,7 +4713,7 @@
           <a:p>
             <a:fld id="{52D79E99-1DA8-4063-8CAF-DEE23AAE75FD}" type="datetimeFigureOut">
               <a:rPr lang="en-US" smtClean="0"/>
-              <a:t>3/6/2019</a:t>
+              <a:t>3/7/2019</a:t>
             </a:fld>
             <a:endParaRPr lang="en-US"/>
           </a:p>
@@ -5371,7 +5373,7 @@
           <a:p>
             <a:fld id="{52D79E99-1DA8-4063-8CAF-DEE23AAE75FD}" type="datetimeFigureOut">
               <a:rPr lang="en-US" smtClean="0"/>
-              <a:t>3/6/2019</a:t>
+              <a:t>3/7/2019</a:t>
             </a:fld>
             <a:endParaRPr lang="en-US"/>
           </a:p>
@@ -6232,7 +6234,7 @@
           <a:p>
             <a:fld id="{52D79E99-1DA8-4063-8CAF-DEE23AAE75FD}" type="datetimeFigureOut">
               <a:rPr lang="en-US" smtClean="0"/>
-              <a:t>3/6/2019</a:t>
+              <a:t>3/7/2019</a:t>
             </a:fld>
             <a:endParaRPr lang="en-US"/>
           </a:p>
@@ -6422,7 +6424,7 @@
           <a:p>
             <a:fld id="{52D79E99-1DA8-4063-8CAF-DEE23AAE75FD}" type="datetimeFigureOut">
               <a:rPr lang="en-US" smtClean="0"/>
-              <a:t>3/6/2019</a:t>
+              <a:t>3/7/2019</a:t>
             </a:fld>
             <a:endParaRPr lang="en-US"/>
           </a:p>
@@ -7394,7 +7396,7 @@
           <a:p>
             <a:fld id="{52D79E99-1DA8-4063-8CAF-DEE23AAE75FD}" type="datetimeFigureOut">
               <a:rPr lang="en-US" smtClean="0"/>
-              <a:t>3/6/2019</a:t>
+              <a:t>3/7/2019</a:t>
             </a:fld>
             <a:endParaRPr lang="en-US"/>
           </a:p>
@@ -7605,7 +7607,7 @@
           <a:p>
             <a:fld id="{52D79E99-1DA8-4063-8CAF-DEE23AAE75FD}" type="datetimeFigureOut">
               <a:rPr lang="en-US" smtClean="0"/>
-              <a:t>3/6/2019</a:t>
+              <a:t>3/7/2019</a:t>
             </a:fld>
             <a:endParaRPr lang="en-US"/>
           </a:p>
@@ -8639,7 +8641,7 @@
           <a:p>
             <a:fld id="{52D79E99-1DA8-4063-8CAF-DEE23AAE75FD}" type="datetimeFigureOut">
               <a:rPr lang="en-US" smtClean="0"/>
-              <a:t>3/6/2019</a:t>
+              <a:t>3/7/2019</a:t>
             </a:fld>
             <a:endParaRPr lang="en-US"/>
           </a:p>
@@ -8911,7 +8913,7 @@
           <a:p>
             <a:fld id="{52D79E99-1DA8-4063-8CAF-DEE23AAE75FD}" type="datetimeFigureOut">
               <a:rPr lang="en-US" smtClean="0"/>
-              <a:t>3/6/2019</a:t>
+              <a:t>3/7/2019</a:t>
             </a:fld>
             <a:endParaRPr lang="en-US"/>
           </a:p>
@@ -9321,7 +9323,7 @@
           <a:p>
             <a:fld id="{52D79E99-1DA8-4063-8CAF-DEE23AAE75FD}" type="datetimeFigureOut">
               <a:rPr lang="en-US" smtClean="0"/>
-              <a:t>3/6/2019</a:t>
+              <a:t>3/7/2019</a:t>
             </a:fld>
             <a:endParaRPr lang="en-US"/>
           </a:p>
@@ -9448,7 +9450,7 @@
           <a:p>
             <a:fld id="{52D79E99-1DA8-4063-8CAF-DEE23AAE75FD}" type="datetimeFigureOut">
               <a:rPr lang="en-US" smtClean="0"/>
-              <a:t>3/6/2019</a:t>
+              <a:t>3/7/2019</a:t>
             </a:fld>
             <a:endParaRPr lang="en-US"/>
           </a:p>
@@ -9543,7 +9545,7 @@
           <a:p>
             <a:fld id="{52D79E99-1DA8-4063-8CAF-DEE23AAE75FD}" type="datetimeFigureOut">
               <a:rPr lang="en-US" smtClean="0"/>
-              <a:t>3/6/2019</a:t>
+              <a:t>3/7/2019</a:t>
             </a:fld>
             <a:endParaRPr lang="en-US"/>
           </a:p>
@@ -10624,7 +10626,7 @@
           <a:p>
             <a:fld id="{52D79E99-1DA8-4063-8CAF-DEE23AAE75FD}" type="datetimeFigureOut">
               <a:rPr lang="en-US" smtClean="0"/>
-              <a:t>3/6/2019</a:t>
+              <a:t>3/7/2019</a:t>
             </a:fld>
             <a:endParaRPr lang="en-US"/>
           </a:p>
@@ -11732,7 +11734,7 @@
           <a:p>
             <a:fld id="{52D79E99-1DA8-4063-8CAF-DEE23AAE75FD}" type="datetimeFigureOut">
               <a:rPr lang="en-US" smtClean="0"/>
-              <a:t>3/6/2019</a:t>
+              <a:t>3/7/2019</a:t>
             </a:fld>
             <a:endParaRPr lang="en-US"/>
           </a:p>
@@ -12729,7 +12731,7 @@
           <a:p>
             <a:fld id="{52D79E99-1DA8-4063-8CAF-DEE23AAE75FD}" type="datetimeFigureOut">
               <a:rPr lang="en-US" smtClean="0"/>
-              <a:t>3/6/2019</a:t>
+              <a:t>3/7/2019</a:t>
             </a:fld>
             <a:endParaRPr lang="en-US"/>
           </a:p>
@@ -13367,6 +13369,137 @@
       </p:grpSpPr>
       <p:sp>
         <p:nvSpPr>
+          <p:cNvPr id="3" name="Content Placeholder 2"/>
+          <p:cNvSpPr>
+            <a:spLocks noGrp="1"/>
+          </p:cNvSpPr>
+          <p:nvPr>
+            <p:ph idx="1"/>
+          </p:nvPr>
+        </p:nvSpPr>
+        <p:spPr>
+          <a:xfrm>
+            <a:off x="519954" y="2565400"/>
+            <a:ext cx="9932146" cy="3416300"/>
+          </a:xfrm>
+        </p:spPr>
+        <p:txBody>
+          <a:bodyPr>
+            <a:normAutofit/>
+          </a:bodyPr>
+          <a:lstStyle/>
+          <a:p>
+            <a:r>
+              <a:rPr lang="en-US" sz="2400" dirty="0" err="1">
+                <a:latin typeface="Calibri" panose="020F0502020204030204" pitchFamily="34" charset="0"/>
+                <a:cs typeface="Calibri" panose="020F0502020204030204" pitchFamily="34" charset="0"/>
+              </a:rPr>
+              <a:t>Amatya</a:t>
+            </a:r>
+            <a:r>
+              <a:rPr lang="en-US" sz="2400" dirty="0">
+                <a:latin typeface="Calibri" panose="020F0502020204030204" pitchFamily="34" charset="0"/>
+                <a:cs typeface="Calibri" panose="020F0502020204030204" pitchFamily="34" charset="0"/>
+              </a:rPr>
+              <a:t>, </a:t>
+            </a:r>
+            <a:r>
+              <a:rPr lang="en-US" sz="2400" dirty="0" err="1">
+                <a:latin typeface="Calibri" panose="020F0502020204030204" pitchFamily="34" charset="0"/>
+                <a:cs typeface="Calibri" panose="020F0502020204030204" pitchFamily="34" charset="0"/>
+              </a:rPr>
+              <a:t>Prawan</a:t>
+            </a:r>
+            <a:endParaRPr lang="en-US" sz="2400" dirty="0">
+              <a:latin typeface="Calibri" panose="020F0502020204030204" pitchFamily="34" charset="0"/>
+              <a:cs typeface="Calibri" panose="020F0502020204030204" pitchFamily="34" charset="0"/>
+            </a:endParaRPr>
+          </a:p>
+          <a:p>
+            <a:pPr marL="0" indent="0">
+              <a:buNone/>
+            </a:pPr>
+            <a:r>
+              <a:rPr lang="en-US" sz="2400" dirty="0" smtClean="0">
+                <a:latin typeface="Calibri" panose="020F0502020204030204" pitchFamily="34" charset="0"/>
+                <a:cs typeface="Calibri" panose="020F0502020204030204" pitchFamily="34" charset="0"/>
+              </a:rPr>
+              <a:t>Provided the overall project idea and scope. Provides guidance with respect to future work and scalability of the application.</a:t>
+            </a:r>
+          </a:p>
+          <a:p>
+            <a:pPr marL="0" indent="0">
+              <a:buNone/>
+            </a:pPr>
+            <a:r>
+              <a:rPr lang="en-US" sz="2400" dirty="0" smtClean="0">
+                <a:latin typeface="Calibri" panose="020F0502020204030204" pitchFamily="34" charset="0"/>
+                <a:cs typeface="Calibri" panose="020F0502020204030204" pitchFamily="34" charset="0"/>
+              </a:rPr>
+              <a:t>Handled development of the line function and polygon function. </a:t>
+            </a:r>
+            <a:endParaRPr lang="en-US" sz="2400" dirty="0">
+              <a:latin typeface="Calibri" panose="020F0502020204030204" pitchFamily="34" charset="0"/>
+              <a:cs typeface="Calibri" panose="020F0502020204030204" pitchFamily="34" charset="0"/>
+            </a:endParaRPr>
+          </a:p>
+        </p:txBody>
+      </p:sp>
+      <p:sp>
+        <p:nvSpPr>
+          <p:cNvPr id="4" name="Title 1"/>
+          <p:cNvSpPr>
+            <a:spLocks noGrp="1"/>
+          </p:cNvSpPr>
+          <p:nvPr>
+            <p:ph type="title"/>
+          </p:nvPr>
+        </p:nvSpPr>
+        <p:spPr/>
+        <p:txBody>
+          <a:bodyPr/>
+          <a:lstStyle/>
+          <a:p>
+            <a:r>
+              <a:rPr lang="en-US" dirty="0" smtClean="0"/>
+              <a:t>Individual roles of developers</a:t>
+            </a:r>
+            <a:endParaRPr lang="en-US" dirty="0"/>
+          </a:p>
+        </p:txBody>
+      </p:sp>
+    </p:spTree>
+    <p:extLst>
+      <p:ext uri="{BB962C8B-B14F-4D97-AF65-F5344CB8AC3E}">
+        <p14:creationId xmlns:p14="http://schemas.microsoft.com/office/powerpoint/2010/main" val="987699041"/>
+      </p:ext>
+    </p:extLst>
+  </p:cSld>
+  <p:clrMapOvr>
+    <a:masterClrMapping/>
+  </p:clrMapOvr>
+</p:sld>
+</file>
+
+<file path=ppt/slides/slide11.xml><?xml version="1.0" encoding="utf-8"?>
+<p:sld xmlns:a="http://schemas.openxmlformats.org/drawingml/2006/main" xmlns:r="http://schemas.openxmlformats.org/officeDocument/2006/relationships" xmlns:p="http://schemas.openxmlformats.org/presentationml/2006/main">
+  <p:cSld>
+    <p:spTree>
+      <p:nvGrpSpPr>
+        <p:cNvPr id="1" name=""/>
+        <p:cNvGrpSpPr/>
+        <p:nvPr/>
+      </p:nvGrpSpPr>
+      <p:grpSpPr>
+        <a:xfrm>
+          <a:off x="0" y="0"/>
+          <a:ext cx="0" cy="0"/>
+          <a:chOff x="0" y="0"/>
+          <a:chExt cx="0" cy="0"/>
+        </a:xfrm>
+      </p:grpSpPr>
+      <p:sp>
+        <p:nvSpPr>
           <p:cNvPr id="2" name="Title 1"/>
           <p:cNvSpPr>
             <a:spLocks noGrp="1"/>
@@ -13447,7 +13580,7 @@
 </p:sld>
 </file>
 
-<file path=ppt/slides/slide11.xml><?xml version="1.0" encoding="utf-8"?>
+<file path=ppt/slides/slide12.xml><?xml version="1.0" encoding="utf-8"?>
 <p:sld xmlns:a="http://schemas.openxmlformats.org/drawingml/2006/main" xmlns:r="http://schemas.openxmlformats.org/officeDocument/2006/relationships" xmlns:p="http://schemas.openxmlformats.org/presentationml/2006/main">
   <p:cSld>
     <p:spTree>
@@ -13526,130 +13659,6 @@
 </p:sld>
 </file>
 
-<file path=ppt/slides/slide12.xml><?xml version="1.0" encoding="utf-8"?>
-<p:sld xmlns:a="http://schemas.openxmlformats.org/drawingml/2006/main" xmlns:r="http://schemas.openxmlformats.org/officeDocument/2006/relationships" xmlns:p="http://schemas.openxmlformats.org/presentationml/2006/main">
-  <p:cSld>
-    <p:spTree>
-      <p:nvGrpSpPr>
-        <p:cNvPr id="1" name=""/>
-        <p:cNvGrpSpPr/>
-        <p:nvPr/>
-      </p:nvGrpSpPr>
-      <p:grpSpPr>
-        <a:xfrm>
-          <a:off x="0" y="0"/>
-          <a:ext cx="0" cy="0"/>
-          <a:chOff x="0" y="0"/>
-          <a:chExt cx="0" cy="0"/>
-        </a:xfrm>
-      </p:grpSpPr>
-      <p:sp>
-        <p:nvSpPr>
-          <p:cNvPr id="2" name="Title 1"/>
-          <p:cNvSpPr>
-            <a:spLocks noGrp="1"/>
-          </p:cNvSpPr>
-          <p:nvPr>
-            <p:ph type="title"/>
-          </p:nvPr>
-        </p:nvSpPr>
-        <p:spPr/>
-        <p:txBody>
-          <a:bodyPr/>
-          <a:lstStyle/>
-          <a:p>
-            <a:r>
-              <a:rPr lang="en-US" dirty="0" smtClean="0"/>
-              <a:t>Dataset</a:t>
-            </a:r>
-            <a:endParaRPr lang="en-US" dirty="0"/>
-          </a:p>
-        </p:txBody>
-      </p:sp>
-      <p:sp>
-        <p:nvSpPr>
-          <p:cNvPr id="3" name="Content Placeholder 2"/>
-          <p:cNvSpPr>
-            <a:spLocks noGrp="1"/>
-          </p:cNvSpPr>
-          <p:nvPr>
-            <p:ph idx="1"/>
-          </p:nvPr>
-        </p:nvSpPr>
-        <p:spPr>
-          <a:xfrm>
-            <a:off x="519954" y="2425700"/>
-            <a:ext cx="9894046" cy="3733800"/>
-          </a:xfrm>
-        </p:spPr>
-        <p:txBody>
-          <a:bodyPr>
-            <a:noAutofit/>
-          </a:bodyPr>
-          <a:lstStyle/>
-          <a:p>
-            <a:pPr marL="0" indent="0">
-              <a:buNone/>
-            </a:pPr>
-            <a:r>
-              <a:rPr lang="en-US" sz="2400" dirty="0" smtClean="0">
-                <a:latin typeface="Calibri" panose="020F0502020204030204" pitchFamily="34" charset="0"/>
-                <a:cs typeface="Calibri" panose="020F0502020204030204" pitchFamily="34" charset="0"/>
-              </a:rPr>
-              <a:t>The datasets to be used for the purpose of experimental development is a collection of 3000 data points with the following attributes that depict a users coordinates and other attributes. The format of the files are csv and the common attributes for each file are as follows;</a:t>
-            </a:r>
-          </a:p>
-          <a:p>
-            <a:pPr marL="0" indent="0">
-              <a:buNone/>
-            </a:pPr>
-            <a:endParaRPr lang="en-US" sz="2400" dirty="0" smtClean="0">
-              <a:latin typeface="Calibri" panose="020F0502020204030204" pitchFamily="34" charset="0"/>
-              <a:cs typeface="Calibri" panose="020F0502020204030204" pitchFamily="34" charset="0"/>
-            </a:endParaRPr>
-          </a:p>
-          <a:p>
-            <a:r>
-              <a:rPr lang="en-US" sz="2400" dirty="0" smtClean="0">
-                <a:latin typeface="Calibri" panose="020F0502020204030204" pitchFamily="34" charset="0"/>
-                <a:cs typeface="Calibri" panose="020F0502020204030204" pitchFamily="34" charset="0"/>
-              </a:rPr>
-              <a:t>Longitude</a:t>
-            </a:r>
-          </a:p>
-          <a:p>
-            <a:r>
-              <a:rPr lang="en-US" sz="2400" dirty="0" smtClean="0">
-                <a:latin typeface="Calibri" panose="020F0502020204030204" pitchFamily="34" charset="0"/>
-                <a:cs typeface="Calibri" panose="020F0502020204030204" pitchFamily="34" charset="0"/>
-              </a:rPr>
-              <a:t>Latitude</a:t>
-            </a:r>
-          </a:p>
-          <a:p>
-            <a:r>
-              <a:rPr lang="en-US" sz="2400" dirty="0" smtClean="0">
-                <a:latin typeface="Calibri" panose="020F0502020204030204" pitchFamily="34" charset="0"/>
-                <a:cs typeface="Calibri" panose="020F0502020204030204" pitchFamily="34" charset="0"/>
-              </a:rPr>
-              <a:t>Speed</a:t>
-            </a:r>
-          </a:p>
-        </p:txBody>
-      </p:sp>
-    </p:spTree>
-    <p:extLst>
-      <p:ext uri="{BB962C8B-B14F-4D97-AF65-F5344CB8AC3E}">
-        <p14:creationId xmlns:p14="http://schemas.microsoft.com/office/powerpoint/2010/main" val="2912524370"/>
-      </p:ext>
-    </p:extLst>
-  </p:cSld>
-  <p:clrMapOvr>
-    <a:masterClrMapping/>
-  </p:clrMapOvr>
-</p:sld>
-</file>
-
 <file path=ppt/slides/slide13.xml><?xml version="1.0" encoding="utf-8"?>
 <p:sld xmlns:a="http://schemas.openxmlformats.org/drawingml/2006/main" xmlns:r="http://schemas.openxmlformats.org/officeDocument/2006/relationships" xmlns:p="http://schemas.openxmlformats.org/presentationml/2006/main">
   <p:cSld>
@@ -13702,109 +13711,61 @@
         </p:nvSpPr>
         <p:spPr>
           <a:xfrm>
-            <a:off x="494554" y="2565400"/>
-            <a:ext cx="8825659" cy="3416300"/>
+            <a:off x="519954" y="2425700"/>
+            <a:ext cx="9894046" cy="3733800"/>
           </a:xfrm>
         </p:spPr>
         <p:txBody>
-          <a:bodyPr/>
+          <a:bodyPr>
+            <a:noAutofit/>
+          </a:bodyPr>
           <a:lstStyle/>
           <a:p>
-            <a:r>
-              <a:rPr lang="en-US" sz="2400" dirty="0">
-                <a:latin typeface="Calibri" panose="020F0502020204030204" pitchFamily="34" charset="0"/>
-                <a:cs typeface="Calibri" panose="020F0502020204030204" pitchFamily="34" charset="0"/>
-              </a:rPr>
-              <a:t>Distance</a:t>
-            </a:r>
-          </a:p>
-          <a:p>
-            <a:r>
-              <a:rPr lang="en-US" sz="2400" dirty="0">
-                <a:latin typeface="Calibri" panose="020F0502020204030204" pitchFamily="34" charset="0"/>
-                <a:cs typeface="Calibri" panose="020F0502020204030204" pitchFamily="34" charset="0"/>
-              </a:rPr>
-              <a:t>Time</a:t>
-            </a:r>
-          </a:p>
-          <a:p>
             <a:pPr marL="0" indent="0">
               <a:buNone/>
             </a:pPr>
-            <a:r>
-              <a:rPr lang="en-US" sz="2400" u="sng" dirty="0" smtClean="0">
-                <a:latin typeface="Calibri" panose="020F0502020204030204" pitchFamily="34" charset="0"/>
-                <a:cs typeface="Calibri" panose="020F0502020204030204" pitchFamily="34" charset="0"/>
-              </a:rPr>
-              <a:t>Dataset information</a:t>
-            </a:r>
-          </a:p>
-          <a:p>
-            <a:pPr marL="0" indent="0">
-              <a:buNone/>
-            </a:pPr>
-            <a:r>
-              <a:rPr lang="en-US" sz="2400" dirty="0">
-                <a:latin typeface="Calibri" panose="020F0502020204030204" pitchFamily="34" charset="0"/>
-                <a:cs typeface="Calibri" panose="020F0502020204030204" pitchFamily="34" charset="0"/>
-              </a:rPr>
-              <a:t>The dataset is composed </a:t>
-            </a:r>
             <a:r>
               <a:rPr lang="en-US" sz="2400" dirty="0" smtClean="0">
                 <a:latin typeface="Calibri" panose="020F0502020204030204" pitchFamily="34" charset="0"/>
                 <a:cs typeface="Calibri" panose="020F0502020204030204" pitchFamily="34" charset="0"/>
               </a:rPr>
-              <a:t>of </a:t>
-            </a:r>
-            <a:r>
-              <a:rPr lang="en-US" sz="2400" dirty="0">
-                <a:latin typeface="Calibri" panose="020F0502020204030204" pitchFamily="34" charset="0"/>
-                <a:cs typeface="Calibri" panose="020F0502020204030204" pitchFamily="34" charset="0"/>
-              </a:rPr>
-              <a:t>two tables. The first table </a:t>
-            </a:r>
-            <a:r>
-              <a:rPr lang="en-US" sz="2400" dirty="0" err="1">
-                <a:latin typeface="Calibri" panose="020F0502020204030204" pitchFamily="34" charset="0"/>
-                <a:cs typeface="Calibri" panose="020F0502020204030204" pitchFamily="34" charset="0"/>
-              </a:rPr>
-              <a:t>go_track_tracks</a:t>
-            </a:r>
-            <a:r>
-              <a:rPr lang="en-US" sz="2400" dirty="0">
-                <a:latin typeface="Calibri" panose="020F0502020204030204" pitchFamily="34" charset="0"/>
-                <a:cs typeface="Calibri" panose="020F0502020204030204" pitchFamily="34" charset="0"/>
-              </a:rPr>
-              <a:t> presents general attributes and each </a:t>
-            </a:r>
+              <a:t>The datasets to be used for the purpose of experimental development is a collection of 3000 data points with the following attributes that depict a users coordinates and other attributes. The format of the files are csv and the common attributes for each file are as follows;</a:t>
+            </a:r>
+          </a:p>
+          <a:p>
+            <a:pPr marL="0" indent="0">
+              <a:buNone/>
+            </a:pPr>
+            <a:endParaRPr lang="en-US" sz="2400" dirty="0" smtClean="0">
+              <a:latin typeface="Calibri" panose="020F0502020204030204" pitchFamily="34" charset="0"/>
+              <a:cs typeface="Calibri" panose="020F0502020204030204" pitchFamily="34" charset="0"/>
+            </a:endParaRPr>
+          </a:p>
+          <a:p>
             <a:r>
               <a:rPr lang="en-US" sz="2400" dirty="0" smtClean="0">
                 <a:latin typeface="Calibri" panose="020F0502020204030204" pitchFamily="34" charset="0"/>
                 <a:cs typeface="Calibri" panose="020F0502020204030204" pitchFamily="34" charset="0"/>
               </a:rPr>
-              <a:t>instance has </a:t>
-            </a:r>
-            <a:r>
-              <a:rPr lang="en-US" sz="2400" dirty="0">
+              <a:t>Longitude</a:t>
+            </a:r>
+          </a:p>
+          <a:p>
+            <a:r>
+              <a:rPr lang="en-US" sz="2400" dirty="0" smtClean="0">
                 <a:latin typeface="Calibri" panose="020F0502020204030204" pitchFamily="34" charset="0"/>
                 <a:cs typeface="Calibri" panose="020F0502020204030204" pitchFamily="34" charset="0"/>
               </a:rPr>
-              <a:t>one trajectory that is represented by the table </a:t>
-            </a:r>
-            <a:r>
-              <a:rPr lang="en-US" sz="2400" dirty="0" err="1">
+              <a:t>Latitude</a:t>
+            </a:r>
+          </a:p>
+          <a:p>
+            <a:r>
+              <a:rPr lang="en-US" sz="2400" dirty="0" smtClean="0">
                 <a:latin typeface="Calibri" panose="020F0502020204030204" pitchFamily="34" charset="0"/>
                 <a:cs typeface="Calibri" panose="020F0502020204030204" pitchFamily="34" charset="0"/>
               </a:rPr>
-              <a:t>go_track_trackspoints</a:t>
-            </a:r>
-            <a:r>
-              <a:rPr lang="en-US" sz="2400" dirty="0">
-                <a:latin typeface="Calibri" panose="020F0502020204030204" pitchFamily="34" charset="0"/>
-                <a:cs typeface="Calibri" panose="020F0502020204030204" pitchFamily="34" charset="0"/>
-              </a:rPr>
-              <a:t>.</a:t>
+              <a:t>Speed</a:t>
             </a:r>
           </a:p>
         </p:txBody>
@@ -13812,7 +13773,7 @@
     </p:spTree>
     <p:extLst>
       <p:ext uri="{BB962C8B-B14F-4D97-AF65-F5344CB8AC3E}">
-        <p14:creationId xmlns:p14="http://schemas.microsoft.com/office/powerpoint/2010/main" val="2951103951"/>
+        <p14:creationId xmlns:p14="http://schemas.microsoft.com/office/powerpoint/2010/main" val="2912524370"/>
       </p:ext>
     </p:extLst>
   </p:cSld>
@@ -13874,119 +13835,117 @@
         </p:nvSpPr>
         <p:spPr>
           <a:xfrm>
-            <a:off x="507254" y="2616200"/>
-            <a:ext cx="9881346" cy="3416300"/>
+            <a:off x="494554" y="2565400"/>
+            <a:ext cx="8825659" cy="3416300"/>
           </a:xfrm>
         </p:spPr>
         <p:txBody>
-          <a:bodyPr>
-            <a:normAutofit fontScale="92500" lnSpcReduction="10000"/>
-          </a:bodyPr>
+          <a:bodyPr/>
           <a:lstStyle/>
           <a:p>
-            <a:pPr marL="0" indent="0">
-              <a:buNone/>
-            </a:pPr>
             <a:r>
               <a:rPr lang="en-US" sz="2400" dirty="0">
                 <a:latin typeface="Calibri" panose="020F0502020204030204" pitchFamily="34" charset="0"/>
                 <a:cs typeface="Calibri" panose="020F0502020204030204" pitchFamily="34" charset="0"/>
               </a:rPr>
-              <a:t>Attribute Information of each table includes:</a:t>
+              <a:t>Distance</a:t>
+            </a:r>
+          </a:p>
+          <a:p>
+            <a:r>
+              <a:rPr lang="en-US" sz="2400" dirty="0">
+                <a:latin typeface="Calibri" panose="020F0502020204030204" pitchFamily="34" charset="0"/>
+                <a:cs typeface="Calibri" panose="020F0502020204030204" pitchFamily="34" charset="0"/>
+              </a:rPr>
+              <a:t>Time</a:t>
             </a:r>
           </a:p>
           <a:p>
             <a:pPr marL="0" indent="0">
               <a:buNone/>
             </a:pPr>
-            <a:endParaRPr lang="en-US" sz="2400" dirty="0">
-              <a:latin typeface="Calibri" panose="020F0502020204030204" pitchFamily="34" charset="0"/>
-              <a:cs typeface="Calibri" panose="020F0502020204030204" pitchFamily="34" charset="0"/>
-            </a:endParaRPr>
-          </a:p>
-          <a:p>
+            <a:r>
+              <a:rPr lang="en-US" sz="2400" u="sng" dirty="0" smtClean="0">
+                <a:latin typeface="Calibri" panose="020F0502020204030204" pitchFamily="34" charset="0"/>
+                <a:cs typeface="Calibri" panose="020F0502020204030204" pitchFamily="34" charset="0"/>
+              </a:rPr>
+              <a:t>Dataset information</a:t>
+            </a:r>
+          </a:p>
+          <a:p>
+            <a:pPr marL="0" indent="0">
+              <a:buNone/>
+            </a:pPr>
+            <a:r>
+              <a:rPr lang="en-US" sz="2400" dirty="0">
+                <a:latin typeface="Calibri" panose="020F0502020204030204" pitchFamily="34" charset="0"/>
+                <a:cs typeface="Calibri" panose="020F0502020204030204" pitchFamily="34" charset="0"/>
+              </a:rPr>
+              <a:t>The dataset is composed </a:t>
+            </a:r>
             <a:r>
               <a:rPr lang="en-US" sz="2400" dirty="0" smtClean="0">
                 <a:latin typeface="Calibri" panose="020F0502020204030204" pitchFamily="34" charset="0"/>
                 <a:cs typeface="Calibri" panose="020F0502020204030204" pitchFamily="34" charset="0"/>
               </a:rPr>
-              <a:t>1. </a:t>
+              <a:t>of </a:t>
             </a:r>
             <a:r>
               <a:rPr lang="en-US" sz="2400" dirty="0">
                 <a:latin typeface="Calibri" panose="020F0502020204030204" pitchFamily="34" charset="0"/>
                 <a:cs typeface="Calibri" panose="020F0502020204030204" pitchFamily="34" charset="0"/>
               </a:rPr>
-              <a:t>go_track_tracks.csv: a list of trajectories </a:t>
-            </a:r>
-          </a:p>
-          <a:p>
-            <a:pPr marL="0" indent="0">
-              <a:buNone/>
-            </a:pPr>
+              <a:t>two tables. The first table </a:t>
+            </a:r>
             <a:r>
               <a:rPr lang="en-US" sz="2400" dirty="0" err="1">
                 <a:latin typeface="Calibri" panose="020F0502020204030204" pitchFamily="34" charset="0"/>
                 <a:cs typeface="Calibri" panose="020F0502020204030204" pitchFamily="34" charset="0"/>
               </a:rPr>
-              <a:t>id_android</a:t>
+              <a:t>go_track_tracks</a:t>
             </a:r>
             <a:r>
               <a:rPr lang="en-US" sz="2400" dirty="0">
                 <a:latin typeface="Calibri" panose="020F0502020204030204" pitchFamily="34" charset="0"/>
                 <a:cs typeface="Calibri" panose="020F0502020204030204" pitchFamily="34" charset="0"/>
               </a:rPr>
-              <a:t> - it represents the device used to capture the instance; </a:t>
-            </a:r>
-          </a:p>
-          <a:p>
-            <a:pPr marL="0" indent="0">
-              <a:buNone/>
-            </a:pPr>
+              <a:t> presents general attributes and each </a:t>
+            </a:r>
+            <a:r>
+              <a:rPr lang="en-US" sz="2400" dirty="0" smtClean="0">
+                <a:latin typeface="Calibri" panose="020F0502020204030204" pitchFamily="34" charset="0"/>
+                <a:cs typeface="Calibri" panose="020F0502020204030204" pitchFamily="34" charset="0"/>
+              </a:rPr>
+              <a:t>instance has </a:t>
+            </a:r>
             <a:r>
               <a:rPr lang="en-US" sz="2400" dirty="0">
                 <a:latin typeface="Calibri" panose="020F0502020204030204" pitchFamily="34" charset="0"/>
                 <a:cs typeface="Calibri" panose="020F0502020204030204" pitchFamily="34" charset="0"/>
               </a:rPr>
-              <a:t>speed - it represents the average speed (Km/H) </a:t>
-            </a:r>
-          </a:p>
-          <a:p>
-            <a:pPr marL="0" indent="0">
-              <a:buNone/>
-            </a:pPr>
+              <a:t>one trajectory that is represented by the table </a:t>
+            </a:r>
+            <a:r>
+              <a:rPr lang="en-US" sz="2400" dirty="0" err="1">
+                <a:latin typeface="Calibri" panose="020F0502020204030204" pitchFamily="34" charset="0"/>
+                <a:cs typeface="Calibri" panose="020F0502020204030204" pitchFamily="34" charset="0"/>
+              </a:rPr>
+              <a:t>go_track_trackspoints</a:t>
+            </a:r>
             <a:r>
               <a:rPr lang="en-US" sz="2400" dirty="0">
                 <a:latin typeface="Calibri" panose="020F0502020204030204" pitchFamily="34" charset="0"/>
                 <a:cs typeface="Calibri" panose="020F0502020204030204" pitchFamily="34" charset="0"/>
               </a:rPr>
-              <a:t>distance - it represent the total distance (Km) </a:t>
-            </a:r>
-          </a:p>
-          <a:p>
-            <a:pPr marL="0" indent="0">
-              <a:buNone/>
-            </a:pPr>
-            <a:r>
-              <a:rPr lang="en-US" sz="2400" dirty="0">
-                <a:latin typeface="Calibri" panose="020F0502020204030204" pitchFamily="34" charset="0"/>
-                <a:cs typeface="Calibri" panose="020F0502020204030204" pitchFamily="34" charset="0"/>
-              </a:rPr>
-              <a:t>rating - it is an evaluation parameter. Evaluation the traffic is a way to verify the volunteers perception about the traffic during the travel, in other words, </a:t>
-            </a:r>
-          </a:p>
-          <a:p>
-            <a:pPr marL="0" indent="0">
-              <a:buNone/>
-            </a:pPr>
-            <a:endParaRPr lang="en-US" dirty="0"/>
+              <a:t>.</a:t>
+            </a:r>
           </a:p>
         </p:txBody>
       </p:sp>
     </p:spTree>
     <p:extLst>
       <p:ext uri="{BB962C8B-B14F-4D97-AF65-F5344CB8AC3E}">
-        <p14:creationId xmlns:p14="http://schemas.microsoft.com/office/powerpoint/2010/main" val="1678431720"/>
+        <p14:creationId xmlns:p14="http://schemas.microsoft.com/office/powerpoint/2010/main" val="2951103951"/>
       </p:ext>
     </p:extLst>
   </p:cSld>
@@ -14048,13 +14007,13 @@
         </p:nvSpPr>
         <p:spPr>
           <a:xfrm>
-            <a:off x="519954" y="2590800"/>
-            <a:ext cx="9817846" cy="3416300"/>
+            <a:off x="507254" y="2616200"/>
+            <a:ext cx="9881346" cy="3416300"/>
           </a:xfrm>
         </p:spPr>
         <p:txBody>
           <a:bodyPr>
-            <a:normAutofit/>
+            <a:normAutofit fontScale="92500" lnSpcReduction="10000"/>
           </a:bodyPr>
           <a:lstStyle/>
           <a:p>
@@ -14066,7 +14025,32 @@
                 <a:latin typeface="Calibri" panose="020F0502020204030204" pitchFamily="34" charset="0"/>
                 <a:cs typeface="Calibri" panose="020F0502020204030204" pitchFamily="34" charset="0"/>
               </a:rPr>
-              <a:t>if volunteers move to some place and face traffic jam, maybe they will evaluate 'bad'. (3- good, 2- normal, 1-bad). </a:t>
+              <a:t>Attribute Information of each table includes:</a:t>
+            </a:r>
+          </a:p>
+          <a:p>
+            <a:pPr marL="0" indent="0">
+              <a:buNone/>
+            </a:pPr>
+            <a:endParaRPr lang="en-US" sz="2400" dirty="0">
+              <a:latin typeface="Calibri" panose="020F0502020204030204" pitchFamily="34" charset="0"/>
+              <a:cs typeface="Calibri" panose="020F0502020204030204" pitchFamily="34" charset="0"/>
+            </a:endParaRPr>
+          </a:p>
+          <a:p>
+            <a:r>
+              <a:rPr lang="en-US" sz="2400" dirty="0" smtClean="0">
+                <a:latin typeface="Calibri" panose="020F0502020204030204" pitchFamily="34" charset="0"/>
+                <a:cs typeface="Calibri" panose="020F0502020204030204" pitchFamily="34" charset="0"/>
+              </a:rPr>
+              <a:t>1. </a:t>
+            </a:r>
+            <a:r>
+              <a:rPr lang="en-US" sz="2400" dirty="0">
+                <a:latin typeface="Calibri" panose="020F0502020204030204" pitchFamily="34" charset="0"/>
+                <a:cs typeface="Calibri" panose="020F0502020204030204" pitchFamily="34" charset="0"/>
+              </a:rPr>
+              <a:t>go_track_tracks.csv: a list of trajectories </a:t>
             </a:r>
           </a:p>
           <a:p>
@@ -14078,78 +14062,51 @@
                 <a:latin typeface="Calibri" panose="020F0502020204030204" pitchFamily="34" charset="0"/>
                 <a:cs typeface="Calibri" panose="020F0502020204030204" pitchFamily="34" charset="0"/>
               </a:rPr>
-              <a:t>rating_bus</a:t>
+              <a:t>id_android</a:t>
             </a:r>
             <a:r>
               <a:rPr lang="en-US" sz="2400" dirty="0">
                 <a:latin typeface="Calibri" panose="020F0502020204030204" pitchFamily="34" charset="0"/>
                 <a:cs typeface="Calibri" panose="020F0502020204030204" pitchFamily="34" charset="0"/>
               </a:rPr>
-              <a:t> - it is other evaluation parameter. (1 - The amount of people inside the bus is little, 2 - The bus is not crowded, 3- The bus is crowded. </a:t>
+              <a:t> - it represents the device used to capture the instance; </a:t>
             </a:r>
           </a:p>
           <a:p>
             <a:pPr marL="0" indent="0">
               <a:buNone/>
             </a:pPr>
-            <a:r>
-              <a:rPr lang="en-US" sz="2400" dirty="0" err="1">
-                <a:latin typeface="Calibri" panose="020F0502020204030204" pitchFamily="34" charset="0"/>
-                <a:cs typeface="Calibri" panose="020F0502020204030204" pitchFamily="34" charset="0"/>
-              </a:rPr>
-              <a:t>rating_weather</a:t>
-            </a:r>
             <a:r>
               <a:rPr lang="en-US" sz="2400" dirty="0">
                 <a:latin typeface="Calibri" panose="020F0502020204030204" pitchFamily="34" charset="0"/>
                 <a:cs typeface="Calibri" panose="020F0502020204030204" pitchFamily="34" charset="0"/>
               </a:rPr>
-              <a:t> - it is another evaluation parameter. ( 2- sunny, 1- raining). </a:t>
+              <a:t>speed - it represents the average speed (Km/H) </a:t>
             </a:r>
           </a:p>
           <a:p>
             <a:pPr marL="0" indent="0">
               <a:buNone/>
             </a:pPr>
-            <a:r>
-              <a:rPr lang="en-US" sz="2400" dirty="0" err="1">
-                <a:latin typeface="Calibri" panose="020F0502020204030204" pitchFamily="34" charset="0"/>
-                <a:cs typeface="Calibri" panose="020F0502020204030204" pitchFamily="34" charset="0"/>
-              </a:rPr>
-              <a:t>car_or_bus</a:t>
-            </a:r>
             <a:r>
               <a:rPr lang="en-US" sz="2400" dirty="0">
                 <a:latin typeface="Calibri" panose="020F0502020204030204" pitchFamily="34" charset="0"/>
                 <a:cs typeface="Calibri" panose="020F0502020204030204" pitchFamily="34" charset="0"/>
               </a:rPr>
-              <a:t> - (1 - car, 2-bus) </a:t>
+              <a:t>distance - it represent the total distance (Km) </a:t>
             </a:r>
           </a:p>
           <a:p>
             <a:pPr marL="0" indent="0">
               <a:buNone/>
             </a:pPr>
-            <a:r>
-              <a:rPr lang="en-US" sz="2400" dirty="0" err="1">
-                <a:latin typeface="Calibri" panose="020F0502020204030204" pitchFamily="34" charset="0"/>
-                <a:cs typeface="Calibri" panose="020F0502020204030204" pitchFamily="34" charset="0"/>
-              </a:rPr>
-              <a:t>linha</a:t>
-            </a:r>
             <a:r>
               <a:rPr lang="en-US" sz="2400" dirty="0">
                 <a:latin typeface="Calibri" panose="020F0502020204030204" pitchFamily="34" charset="0"/>
                 <a:cs typeface="Calibri" panose="020F0502020204030204" pitchFamily="34" charset="0"/>
               </a:rPr>
-              <a:t> - information about the bus that does the pathway </a:t>
-            </a:r>
-          </a:p>
-          <a:p>
-            <a:pPr marL="0" indent="0">
-              <a:buNone/>
-            </a:pPr>
-            <a:endParaRPr lang="en-US" dirty="0"/>
+              <a:t>rating - it is an evaluation parameter. Evaluation the traffic is a way to verify the volunteers perception about the traffic during the travel, in other words, </a:t>
+            </a:r>
           </a:p>
           <a:p>
             <a:pPr marL="0" indent="0">
@@ -14162,7 +14119,7 @@
     </p:spTree>
     <p:extLst>
       <p:ext uri="{BB962C8B-B14F-4D97-AF65-F5344CB8AC3E}">
-        <p14:creationId xmlns:p14="http://schemas.microsoft.com/office/powerpoint/2010/main" val="3600209046"/>
+        <p14:creationId xmlns:p14="http://schemas.microsoft.com/office/powerpoint/2010/main" val="1678431720"/>
       </p:ext>
     </p:extLst>
   </p:cSld>
@@ -14224,69 +14181,82 @@
         </p:nvSpPr>
         <p:spPr>
           <a:xfrm>
-            <a:off x="545354" y="2616200"/>
-            <a:ext cx="9728946" cy="3416300"/>
+            <a:off x="519954" y="2590800"/>
+            <a:ext cx="9817846" cy="3416300"/>
           </a:xfrm>
         </p:spPr>
         <p:txBody>
-          <a:bodyPr/>
+          <a:bodyPr>
+            <a:normAutofit/>
+          </a:bodyPr>
           <a:lstStyle/>
           <a:p>
             <a:pPr marL="0" indent="0">
               <a:buNone/>
             </a:pPr>
-            <a:endParaRPr lang="en-US" dirty="0"/>
-          </a:p>
-          <a:p>
-            <a:r>
-              <a:rPr lang="en-US" sz="2400" dirty="0" smtClean="0">
-                <a:latin typeface="Calibri" panose="020F0502020204030204" pitchFamily="34" charset="0"/>
-                <a:cs typeface="Calibri" panose="020F0502020204030204" pitchFamily="34" charset="0"/>
-              </a:rPr>
-              <a:t>2. </a:t>
-            </a:r>
             <a:r>
               <a:rPr lang="en-US" sz="2400" dirty="0">
                 <a:latin typeface="Calibri" panose="020F0502020204030204" pitchFamily="34" charset="0"/>
                 <a:cs typeface="Calibri" panose="020F0502020204030204" pitchFamily="34" charset="0"/>
               </a:rPr>
-              <a:t>go_track_trackspoints.csv: localization points of each trajectory </a:t>
+              <a:t>if volunteers move to some place and face traffic jam, maybe they will evaluate 'bad'. (3- good, 2- normal, 1-bad). </a:t>
             </a:r>
           </a:p>
           <a:p>
             <a:pPr marL="0" indent="0">
               <a:buNone/>
             </a:pPr>
+            <a:r>
+              <a:rPr lang="en-US" sz="2400" dirty="0" err="1">
+                <a:latin typeface="Calibri" panose="020F0502020204030204" pitchFamily="34" charset="0"/>
+                <a:cs typeface="Calibri" panose="020F0502020204030204" pitchFamily="34" charset="0"/>
+              </a:rPr>
+              <a:t>rating_bus</a:t>
+            </a:r>
             <a:r>
               <a:rPr lang="en-US" sz="2400" dirty="0">
                 <a:latin typeface="Calibri" panose="020F0502020204030204" pitchFamily="34" charset="0"/>
                 <a:cs typeface="Calibri" panose="020F0502020204030204" pitchFamily="34" charset="0"/>
               </a:rPr>
-              <a:t>id: unique key to identify each point </a:t>
+              <a:t> - it is other evaluation parameter. (1 - The amount of people inside the bus is little, 2 - The bus is not crowded, 3- The bus is crowded. </a:t>
             </a:r>
           </a:p>
           <a:p>
             <a:pPr marL="0" indent="0">
               <a:buNone/>
             </a:pPr>
+            <a:r>
+              <a:rPr lang="en-US" sz="2400" dirty="0" err="1">
+                <a:latin typeface="Calibri" panose="020F0502020204030204" pitchFamily="34" charset="0"/>
+                <a:cs typeface="Calibri" panose="020F0502020204030204" pitchFamily="34" charset="0"/>
+              </a:rPr>
+              <a:t>rating_weather</a:t>
+            </a:r>
             <a:r>
               <a:rPr lang="en-US" sz="2400" dirty="0">
                 <a:latin typeface="Calibri" panose="020F0502020204030204" pitchFamily="34" charset="0"/>
                 <a:cs typeface="Calibri" panose="020F0502020204030204" pitchFamily="34" charset="0"/>
               </a:rPr>
-              <a:t>latitude: latitude from where the point is </a:t>
+              <a:t> - it is another evaluation parameter. ( 2- sunny, 1- raining). </a:t>
             </a:r>
           </a:p>
           <a:p>
             <a:pPr marL="0" indent="0">
               <a:buNone/>
             </a:pPr>
+            <a:r>
+              <a:rPr lang="en-US" sz="2400" dirty="0" err="1">
+                <a:latin typeface="Calibri" panose="020F0502020204030204" pitchFamily="34" charset="0"/>
+                <a:cs typeface="Calibri" panose="020F0502020204030204" pitchFamily="34" charset="0"/>
+              </a:rPr>
+              <a:t>car_or_bus</a:t>
+            </a:r>
             <a:r>
               <a:rPr lang="en-US" sz="2400" dirty="0">
                 <a:latin typeface="Calibri" panose="020F0502020204030204" pitchFamily="34" charset="0"/>
                 <a:cs typeface="Calibri" panose="020F0502020204030204" pitchFamily="34" charset="0"/>
               </a:rPr>
-              <a:t>longitude: longitude from where the point is </a:t>
+              <a:t> - (1 - car, 2-bus) </a:t>
             </a:r>
           </a:p>
           <a:p>
@@ -14298,41 +14268,21 @@
                 <a:latin typeface="Calibri" panose="020F0502020204030204" pitchFamily="34" charset="0"/>
                 <a:cs typeface="Calibri" panose="020F0502020204030204" pitchFamily="34" charset="0"/>
               </a:rPr>
-              <a:t>track_id</a:t>
+              <a:t>linha</a:t>
             </a:r>
             <a:r>
               <a:rPr lang="en-US" sz="2400" dirty="0">
                 <a:latin typeface="Calibri" panose="020F0502020204030204" pitchFamily="34" charset="0"/>
                 <a:cs typeface="Calibri" panose="020F0502020204030204" pitchFamily="34" charset="0"/>
               </a:rPr>
-              <a:t>: identify the trajectory which the point belong </a:t>
+              <a:t> - information about the bus that does the pathway </a:t>
             </a:r>
           </a:p>
           <a:p>
             <a:pPr marL="0" indent="0">
               <a:buNone/>
             </a:pPr>
-            <a:r>
-              <a:rPr lang="en-US" sz="2400" dirty="0">
-                <a:latin typeface="Calibri" panose="020F0502020204030204" pitchFamily="34" charset="0"/>
-                <a:cs typeface="Calibri" panose="020F0502020204030204" pitchFamily="34" charset="0"/>
-              </a:rPr>
-              <a:t>time: </a:t>
-            </a:r>
-            <a:r>
-              <a:rPr lang="en-US" sz="2400" dirty="0" err="1">
-                <a:latin typeface="Calibri" panose="020F0502020204030204" pitchFamily="34" charset="0"/>
-                <a:cs typeface="Calibri" panose="020F0502020204030204" pitchFamily="34" charset="0"/>
-              </a:rPr>
-              <a:t>datetime</a:t>
-            </a:r>
-            <a:r>
-              <a:rPr lang="en-US" sz="2400" dirty="0">
-                <a:latin typeface="Calibri" panose="020F0502020204030204" pitchFamily="34" charset="0"/>
-                <a:cs typeface="Calibri" panose="020F0502020204030204" pitchFamily="34" charset="0"/>
-              </a:rPr>
-              <a:t> when the point was collected (GMT-3)</a:t>
-            </a:r>
+            <a:endParaRPr lang="en-US" dirty="0"/>
           </a:p>
           <a:p>
             <a:pPr marL="0" indent="0">
@@ -14345,7 +14295,7 @@
     </p:spTree>
     <p:extLst>
       <p:ext uri="{BB962C8B-B14F-4D97-AF65-F5344CB8AC3E}">
-        <p14:creationId xmlns:p14="http://schemas.microsoft.com/office/powerpoint/2010/main" val="1919855806"/>
+        <p14:creationId xmlns:p14="http://schemas.microsoft.com/office/powerpoint/2010/main" val="3600209046"/>
       </p:ext>
     </p:extLst>
   </p:cSld>
@@ -14389,7 +14339,7 @@
           <a:p>
             <a:r>
               <a:rPr lang="en-US" dirty="0" smtClean="0"/>
-              <a:t>Application libraries</a:t>
+              <a:t>Dataset</a:t>
             </a:r>
             <a:endParaRPr lang="en-US" dirty="0"/>
           </a:p>
@@ -14407,52 +14357,128 @@
         </p:nvSpPr>
         <p:spPr>
           <a:xfrm>
-            <a:off x="532654" y="2527300"/>
-            <a:ext cx="9906746" cy="3416300"/>
+            <a:off x="545354" y="2616200"/>
+            <a:ext cx="9728946" cy="3416300"/>
           </a:xfrm>
         </p:spPr>
         <p:txBody>
-          <a:bodyPr>
-            <a:normAutofit/>
-          </a:bodyPr>
+          <a:bodyPr/>
           <a:lstStyle/>
+          <a:p>
+            <a:pPr marL="0" indent="0">
+              <a:buNone/>
+            </a:pPr>
+            <a:endParaRPr lang="en-US" dirty="0"/>
+          </a:p>
           <a:p>
             <a:r>
               <a:rPr lang="en-US" sz="2400" dirty="0" smtClean="0">
                 <a:latin typeface="Calibri" panose="020F0502020204030204" pitchFamily="34" charset="0"/>
                 <a:cs typeface="Calibri" panose="020F0502020204030204" pitchFamily="34" charset="0"/>
               </a:rPr>
-              <a:t>Folium</a:t>
-            </a:r>
-          </a:p>
-          <a:p>
-            <a:r>
-              <a:rPr lang="en-US" sz="2400" dirty="0" smtClean="0">
+              <a:t>2. </a:t>
+            </a:r>
+            <a:r>
+              <a:rPr lang="en-US" sz="2400" dirty="0">
                 <a:latin typeface="Calibri" panose="020F0502020204030204" pitchFamily="34" charset="0"/>
                 <a:cs typeface="Calibri" panose="020F0502020204030204" pitchFamily="34" charset="0"/>
               </a:rPr>
-              <a:t>Pandas</a:t>
-            </a:r>
-          </a:p>
-          <a:p>
-            <a:r>
-              <a:rPr lang="en-US" sz="2400" dirty="0" err="1" smtClean="0">
+              <a:t>go_track_trackspoints.csv: localization points of each trajectory </a:t>
+            </a:r>
+          </a:p>
+          <a:p>
+            <a:pPr marL="0" indent="0">
+              <a:buNone/>
+            </a:pPr>
+            <a:r>
+              <a:rPr lang="en-US" sz="2400" dirty="0">
                 <a:latin typeface="Calibri" panose="020F0502020204030204" pitchFamily="34" charset="0"/>
                 <a:cs typeface="Calibri" panose="020F0502020204030204" pitchFamily="34" charset="0"/>
               </a:rPr>
-              <a:t>Numpy</a:t>
-            </a:r>
-            <a:endParaRPr lang="en-US" sz="2400" dirty="0">
-              <a:latin typeface="Calibri" panose="020F0502020204030204" pitchFamily="34" charset="0"/>
-              <a:cs typeface="Calibri" panose="020F0502020204030204" pitchFamily="34" charset="0"/>
-            </a:endParaRPr>
+              <a:t>id: unique key to identify each point </a:t>
+            </a:r>
+          </a:p>
+          <a:p>
+            <a:pPr marL="0" indent="0">
+              <a:buNone/>
+            </a:pPr>
+            <a:r>
+              <a:rPr lang="en-US" sz="2400" dirty="0">
+                <a:latin typeface="Calibri" panose="020F0502020204030204" pitchFamily="34" charset="0"/>
+                <a:cs typeface="Calibri" panose="020F0502020204030204" pitchFamily="34" charset="0"/>
+              </a:rPr>
+              <a:t>latitude: latitude from where the point is </a:t>
+            </a:r>
+          </a:p>
+          <a:p>
+            <a:pPr marL="0" indent="0">
+              <a:buNone/>
+            </a:pPr>
+            <a:r>
+              <a:rPr lang="en-US" sz="2400" dirty="0">
+                <a:latin typeface="Calibri" panose="020F0502020204030204" pitchFamily="34" charset="0"/>
+                <a:cs typeface="Calibri" panose="020F0502020204030204" pitchFamily="34" charset="0"/>
+              </a:rPr>
+              <a:t>longitude: longitude from where the point is </a:t>
+            </a:r>
+          </a:p>
+          <a:p>
+            <a:pPr marL="0" indent="0">
+              <a:buNone/>
+            </a:pPr>
+            <a:r>
+              <a:rPr lang="en-US" sz="2400" dirty="0" err="1">
+                <a:latin typeface="Calibri" panose="020F0502020204030204" pitchFamily="34" charset="0"/>
+                <a:cs typeface="Calibri" panose="020F0502020204030204" pitchFamily="34" charset="0"/>
+              </a:rPr>
+              <a:t>track_id</a:t>
+            </a:r>
+            <a:r>
+              <a:rPr lang="en-US" sz="2400" dirty="0">
+                <a:latin typeface="Calibri" panose="020F0502020204030204" pitchFamily="34" charset="0"/>
+                <a:cs typeface="Calibri" panose="020F0502020204030204" pitchFamily="34" charset="0"/>
+              </a:rPr>
+              <a:t>: identify the trajectory which the point belong </a:t>
+            </a:r>
+          </a:p>
+          <a:p>
+            <a:pPr marL="0" indent="0">
+              <a:buNone/>
+            </a:pPr>
+            <a:r>
+              <a:rPr lang="en-US" sz="2400" dirty="0">
+                <a:latin typeface="Calibri" panose="020F0502020204030204" pitchFamily="34" charset="0"/>
+                <a:cs typeface="Calibri" panose="020F0502020204030204" pitchFamily="34" charset="0"/>
+              </a:rPr>
+              <a:t>time: </a:t>
+            </a:r>
+            <a:r>
+              <a:rPr lang="en-US" sz="2400" dirty="0" err="1">
+                <a:latin typeface="Calibri" panose="020F0502020204030204" pitchFamily="34" charset="0"/>
+                <a:cs typeface="Calibri" panose="020F0502020204030204" pitchFamily="34" charset="0"/>
+              </a:rPr>
+              <a:t>datetime</a:t>
+            </a:r>
+            <a:r>
+              <a:rPr lang="en-US" sz="2400" dirty="0">
+                <a:latin typeface="Calibri" panose="020F0502020204030204" pitchFamily="34" charset="0"/>
+                <a:cs typeface="Calibri" panose="020F0502020204030204" pitchFamily="34" charset="0"/>
+              </a:rPr>
+              <a:t> when the point was collected (GMT-3)</a:t>
+            </a:r>
+          </a:p>
+          <a:p>
+            <a:pPr marL="0" indent="0">
+              <a:buNone/>
+            </a:pPr>
+            <a:endParaRPr lang="en-US" dirty="0"/>
           </a:p>
         </p:txBody>
       </p:sp>
     </p:spTree>
     <p:extLst>
       <p:ext uri="{BB962C8B-B14F-4D97-AF65-F5344CB8AC3E}">
-        <p14:creationId xmlns:p14="http://schemas.microsoft.com/office/powerpoint/2010/main" val="2376222840"/>
+        <p14:creationId xmlns:p14="http://schemas.microsoft.com/office/powerpoint/2010/main" val="1919855806"/>
       </p:ext>
     </p:extLst>
   </p:cSld>
@@ -14496,7 +14522,7 @@
           <a:p>
             <a:r>
               <a:rPr lang="en-US" dirty="0" smtClean="0"/>
-              <a:t>Application libraries(Folium)</a:t>
+              <a:t>Application libraries</a:t>
             </a:r>
             <a:endParaRPr lang="en-US" dirty="0"/>
           </a:p>
@@ -14514,97 +14540,52 @@
         </p:nvSpPr>
         <p:spPr>
           <a:xfrm>
-            <a:off x="532654" y="2463800"/>
-            <a:ext cx="9868646" cy="3416300"/>
+            <a:off x="532654" y="2527300"/>
+            <a:ext cx="9906746" cy="3416300"/>
           </a:xfrm>
         </p:spPr>
         <p:txBody>
           <a:bodyPr>
-            <a:noAutofit/>
+            <a:normAutofit/>
           </a:bodyPr>
           <a:lstStyle/>
           <a:p>
-            <a:pPr marL="0" indent="0">
-              <a:buNone/>
-            </a:pPr>
-            <a:endParaRPr lang="en-US" sz="2400" dirty="0" smtClean="0">
-              <a:latin typeface="Calibri" panose="020F0502020204030204" pitchFamily="34" charset="0"/>
-              <a:cs typeface="Calibri" panose="020F0502020204030204" pitchFamily="34" charset="0"/>
-            </a:endParaRPr>
-          </a:p>
-          <a:p>
-            <a:pPr marL="0" indent="0">
-              <a:buNone/>
-            </a:pPr>
             <a:r>
               <a:rPr lang="en-US" sz="2400" dirty="0" smtClean="0">
                 <a:latin typeface="Calibri" panose="020F0502020204030204" pitchFamily="34" charset="0"/>
                 <a:cs typeface="Calibri" panose="020F0502020204030204" pitchFamily="34" charset="0"/>
               </a:rPr>
-              <a:t>Folium </a:t>
-            </a:r>
-            <a:r>
-              <a:rPr lang="en-US" sz="2400" dirty="0">
+              <a:t>Folium</a:t>
+            </a:r>
+          </a:p>
+          <a:p>
+            <a:r>
+              <a:rPr lang="en-US" sz="2400" dirty="0" smtClean="0">
                 <a:latin typeface="Calibri" panose="020F0502020204030204" pitchFamily="34" charset="0"/>
                 <a:cs typeface="Calibri" panose="020F0502020204030204" pitchFamily="34" charset="0"/>
               </a:rPr>
-              <a:t>makes it easy to visualize data that’s been manipulated in Python on an interactive leaflet map. </a:t>
-            </a:r>
-            <a:endParaRPr lang="en-US" sz="2400" dirty="0" smtClean="0">
-              <a:latin typeface="Calibri" panose="020F0502020204030204" pitchFamily="34" charset="0"/>
-              <a:cs typeface="Calibri" panose="020F0502020204030204" pitchFamily="34" charset="0"/>
-            </a:endParaRPr>
-          </a:p>
-          <a:p>
-            <a:pPr marL="0" indent="0">
-              <a:buNone/>
-            </a:pPr>
+              <a:t>Pandas</a:t>
+            </a:r>
+          </a:p>
+          <a:p>
+            <a:r>
+              <a:rPr lang="en-US" sz="2400" dirty="0" err="1" smtClean="0">
+                <a:latin typeface="Calibri" panose="020F0502020204030204" pitchFamily="34" charset="0"/>
+                <a:cs typeface="Calibri" panose="020F0502020204030204" pitchFamily="34" charset="0"/>
+              </a:rPr>
+              <a:t>Numpy</a:t>
+            </a:r>
             <a:endParaRPr lang="en-US" sz="2400" dirty="0">
               <a:latin typeface="Calibri" panose="020F0502020204030204" pitchFamily="34" charset="0"/>
               <a:cs typeface="Calibri" panose="020F0502020204030204" pitchFamily="34" charset="0"/>
             </a:endParaRPr>
           </a:p>
-          <a:p>
-            <a:pPr marL="0" indent="0">
-              <a:buNone/>
-            </a:pPr>
-            <a:r>
-              <a:rPr lang="en-US" sz="2400" dirty="0">
-                <a:latin typeface="Calibri" panose="020F0502020204030204" pitchFamily="34" charset="0"/>
-                <a:cs typeface="Calibri" panose="020F0502020204030204" pitchFamily="34" charset="0"/>
-              </a:rPr>
-              <a:t>It enables both the binding of data to a map for visualizations as well as passing rich vector/raster/HTML </a:t>
-            </a:r>
-            <a:r>
-              <a:rPr lang="en-US" sz="2400" dirty="0" smtClean="0">
-                <a:latin typeface="Calibri" panose="020F0502020204030204" pitchFamily="34" charset="0"/>
-                <a:cs typeface="Calibri" panose="020F0502020204030204" pitchFamily="34" charset="0"/>
-              </a:rPr>
-              <a:t>visualizations </a:t>
-            </a:r>
-            <a:r>
-              <a:rPr lang="en-US" sz="2400" dirty="0">
-                <a:latin typeface="Calibri" panose="020F0502020204030204" pitchFamily="34" charset="0"/>
-                <a:cs typeface="Calibri" panose="020F0502020204030204" pitchFamily="34" charset="0"/>
-              </a:rPr>
-              <a:t>as markers on the map.</a:t>
-            </a:r>
-          </a:p>
-          <a:p>
-            <a:pPr marL="0" indent="0">
-              <a:buNone/>
-            </a:pPr>
-            <a:endParaRPr lang="en-US" sz="2400" dirty="0">
-              <a:latin typeface="Calibri" panose="020F0502020204030204" pitchFamily="34" charset="0"/>
-              <a:cs typeface="Calibri" panose="020F0502020204030204" pitchFamily="34" charset="0"/>
-            </a:endParaRPr>
-          </a:p>
         </p:txBody>
       </p:sp>
     </p:spTree>
     <p:extLst>
       <p:ext uri="{BB962C8B-B14F-4D97-AF65-F5344CB8AC3E}">
-        <p14:creationId xmlns:p14="http://schemas.microsoft.com/office/powerpoint/2010/main" val="4069457371"/>
+        <p14:creationId xmlns:p14="http://schemas.microsoft.com/office/powerpoint/2010/main" val="2376222840"/>
       </p:ext>
     </p:extLst>
   </p:cSld>
@@ -14693,167 +14674,19 @@
                 <a:latin typeface="Calibri" panose="020F0502020204030204" pitchFamily="34" charset="0"/>
                 <a:cs typeface="Calibri" panose="020F0502020204030204" pitchFamily="34" charset="0"/>
               </a:rPr>
-              <a:t>The </a:t>
+              <a:t>Folium </a:t>
             </a:r>
             <a:r>
               <a:rPr lang="en-US" sz="2400" dirty="0">
                 <a:latin typeface="Calibri" panose="020F0502020204030204" pitchFamily="34" charset="0"/>
                 <a:cs typeface="Calibri" panose="020F0502020204030204" pitchFamily="34" charset="0"/>
               </a:rPr>
-              <a:t>library </a:t>
-            </a:r>
-            <a:r>
-              <a:rPr lang="en-US" sz="2400" dirty="0" smtClean="0">
-                <a:latin typeface="Calibri" panose="020F0502020204030204" pitchFamily="34" charset="0"/>
-                <a:cs typeface="Calibri" panose="020F0502020204030204" pitchFamily="34" charset="0"/>
-              </a:rPr>
-              <a:t>also has </a:t>
-            </a:r>
-            <a:r>
-              <a:rPr lang="en-US" sz="2400" dirty="0">
-                <a:latin typeface="Calibri" panose="020F0502020204030204" pitchFamily="34" charset="0"/>
-                <a:cs typeface="Calibri" panose="020F0502020204030204" pitchFamily="34" charset="0"/>
-              </a:rPr>
-              <a:t>a number of built-in </a:t>
-            </a:r>
-            <a:r>
-              <a:rPr lang="en-US" sz="2400" dirty="0" err="1">
-                <a:latin typeface="Calibri" panose="020F0502020204030204" pitchFamily="34" charset="0"/>
-                <a:cs typeface="Calibri" panose="020F0502020204030204" pitchFamily="34" charset="0"/>
-              </a:rPr>
-              <a:t>tilesets</a:t>
-            </a:r>
-            <a:r>
-              <a:rPr lang="en-US" sz="2400" dirty="0">
-                <a:latin typeface="Calibri" panose="020F0502020204030204" pitchFamily="34" charset="0"/>
-                <a:cs typeface="Calibri" panose="020F0502020204030204" pitchFamily="34" charset="0"/>
-              </a:rPr>
-              <a:t> from </a:t>
-            </a:r>
-            <a:r>
-              <a:rPr lang="en-US" sz="2400" dirty="0" err="1">
-                <a:latin typeface="Calibri" panose="020F0502020204030204" pitchFamily="34" charset="0"/>
-                <a:cs typeface="Calibri" panose="020F0502020204030204" pitchFamily="34" charset="0"/>
-              </a:rPr>
-              <a:t>OpenStreetMap</a:t>
-            </a:r>
-            <a:r>
-              <a:rPr lang="en-US" sz="2400" dirty="0">
-                <a:latin typeface="Calibri" panose="020F0502020204030204" pitchFamily="34" charset="0"/>
-                <a:cs typeface="Calibri" panose="020F0502020204030204" pitchFamily="34" charset="0"/>
-              </a:rPr>
-              <a:t>, </a:t>
-            </a:r>
-            <a:r>
-              <a:rPr lang="en-US" sz="2400" dirty="0" err="1">
-                <a:latin typeface="Calibri" panose="020F0502020204030204" pitchFamily="34" charset="0"/>
-                <a:cs typeface="Calibri" panose="020F0502020204030204" pitchFamily="34" charset="0"/>
-              </a:rPr>
-              <a:t>Mapbox</a:t>
-            </a:r>
-            <a:r>
-              <a:rPr lang="en-US" sz="2400" dirty="0">
-                <a:latin typeface="Calibri" panose="020F0502020204030204" pitchFamily="34" charset="0"/>
-                <a:cs typeface="Calibri" panose="020F0502020204030204" pitchFamily="34" charset="0"/>
-              </a:rPr>
-              <a:t>, and Stamen, and supports </a:t>
-            </a:r>
-            <a:r>
-              <a:rPr lang="en-US" sz="2400" dirty="0" smtClean="0">
-                <a:latin typeface="Calibri" panose="020F0502020204030204" pitchFamily="34" charset="0"/>
-                <a:cs typeface="Calibri" panose="020F0502020204030204" pitchFamily="34" charset="0"/>
-              </a:rPr>
-              <a:t>custom </a:t>
-            </a:r>
-            <a:r>
-              <a:rPr lang="en-US" sz="2400" dirty="0" err="1">
-                <a:latin typeface="Calibri" panose="020F0502020204030204" pitchFamily="34" charset="0"/>
-                <a:cs typeface="Calibri" panose="020F0502020204030204" pitchFamily="34" charset="0"/>
-              </a:rPr>
-              <a:t>tilesets</a:t>
-            </a:r>
-            <a:r>
-              <a:rPr lang="en-US" sz="2400" dirty="0">
-                <a:latin typeface="Calibri" panose="020F0502020204030204" pitchFamily="34" charset="0"/>
-                <a:cs typeface="Calibri" panose="020F0502020204030204" pitchFamily="34" charset="0"/>
-              </a:rPr>
-              <a:t> with </a:t>
-            </a:r>
-            <a:r>
-              <a:rPr lang="en-US" sz="2400" dirty="0" err="1">
-                <a:latin typeface="Calibri" panose="020F0502020204030204" pitchFamily="34" charset="0"/>
-                <a:cs typeface="Calibri" panose="020F0502020204030204" pitchFamily="34" charset="0"/>
-              </a:rPr>
-              <a:t>Mapbox</a:t>
-            </a:r>
-            <a:r>
-              <a:rPr lang="en-US" sz="2400" dirty="0">
-                <a:latin typeface="Calibri" panose="020F0502020204030204" pitchFamily="34" charset="0"/>
-                <a:cs typeface="Calibri" panose="020F0502020204030204" pitchFamily="34" charset="0"/>
-              </a:rPr>
-              <a:t> or </a:t>
-            </a:r>
-            <a:r>
-              <a:rPr lang="en-US" sz="2400" dirty="0" err="1">
-                <a:latin typeface="Calibri" panose="020F0502020204030204" pitchFamily="34" charset="0"/>
-                <a:cs typeface="Calibri" panose="020F0502020204030204" pitchFamily="34" charset="0"/>
-              </a:rPr>
-              <a:t>Cloudmade</a:t>
-            </a:r>
-            <a:r>
-              <a:rPr lang="en-US" sz="2400" dirty="0">
-                <a:latin typeface="Calibri" panose="020F0502020204030204" pitchFamily="34" charset="0"/>
-                <a:cs typeface="Calibri" panose="020F0502020204030204" pitchFamily="34" charset="0"/>
-              </a:rPr>
-              <a:t> API keys. </a:t>
-            </a:r>
-          </a:p>
-          <a:p>
-            <a:pPr marL="0" indent="0">
-              <a:buNone/>
-            </a:pPr>
-            <a:r>
-              <a:rPr lang="en-US" sz="2400" dirty="0" smtClean="0">
-                <a:latin typeface="Calibri" panose="020F0502020204030204" pitchFamily="34" charset="0"/>
-                <a:cs typeface="Calibri" panose="020F0502020204030204" pitchFamily="34" charset="0"/>
-              </a:rPr>
-              <a:t>Folium </a:t>
-            </a:r>
-            <a:r>
-              <a:rPr lang="en-US" sz="2400" dirty="0">
-                <a:latin typeface="Calibri" panose="020F0502020204030204" pitchFamily="34" charset="0"/>
-                <a:cs typeface="Calibri" panose="020F0502020204030204" pitchFamily="34" charset="0"/>
-              </a:rPr>
-              <a:t>supports both Image, Video, </a:t>
-            </a:r>
-            <a:r>
-              <a:rPr lang="en-US" sz="2400" dirty="0" err="1">
-                <a:latin typeface="Calibri" panose="020F0502020204030204" pitchFamily="34" charset="0"/>
-                <a:cs typeface="Calibri" panose="020F0502020204030204" pitchFamily="34" charset="0"/>
-              </a:rPr>
-              <a:t>GeoJSON</a:t>
-            </a:r>
-            <a:r>
-              <a:rPr lang="en-US" sz="2400" dirty="0">
-                <a:latin typeface="Calibri" panose="020F0502020204030204" pitchFamily="34" charset="0"/>
-                <a:cs typeface="Calibri" panose="020F0502020204030204" pitchFamily="34" charset="0"/>
-              </a:rPr>
-              <a:t> and </a:t>
-            </a:r>
-            <a:r>
-              <a:rPr lang="en-US" sz="2400" dirty="0" err="1">
-                <a:latin typeface="Calibri" panose="020F0502020204030204" pitchFamily="34" charset="0"/>
-                <a:cs typeface="Calibri" panose="020F0502020204030204" pitchFamily="34" charset="0"/>
-              </a:rPr>
-              <a:t>TopoJSON</a:t>
-            </a:r>
-            <a:r>
-              <a:rPr lang="en-US" sz="2400" dirty="0">
-                <a:latin typeface="Calibri" panose="020F0502020204030204" pitchFamily="34" charset="0"/>
-                <a:cs typeface="Calibri" panose="020F0502020204030204" pitchFamily="34" charset="0"/>
-              </a:rPr>
-              <a:t> overlays.</a:t>
-            </a:r>
+              <a:t>makes it easy to visualize data that’s been manipulated in Python on an interactive leaflet map. </a:t>
+            </a:r>
+            <a:endParaRPr lang="en-US" sz="2400" dirty="0" smtClean="0">
+              <a:latin typeface="Calibri" panose="020F0502020204030204" pitchFamily="34" charset="0"/>
+              <a:cs typeface="Calibri" panose="020F0502020204030204" pitchFamily="34" charset="0"/>
+            </a:endParaRPr>
           </a:p>
           <a:p>
             <a:pPr marL="0" indent="0">
@@ -14864,12 +14697,47 @@
               <a:cs typeface="Calibri" panose="020F0502020204030204" pitchFamily="34" charset="0"/>
             </a:endParaRPr>
           </a:p>
+          <a:p>
+            <a:pPr marL="0" indent="0">
+              <a:buNone/>
+            </a:pPr>
+            <a:r>
+              <a:rPr lang="en-US" sz="2400" dirty="0">
+                <a:latin typeface="Calibri" panose="020F0502020204030204" pitchFamily="34" charset="0"/>
+                <a:cs typeface="Calibri" panose="020F0502020204030204" pitchFamily="34" charset="0"/>
+              </a:rPr>
+              <a:t>It enables both the binding of data to a map for visualizations as well as passing rich vector/raster/HTML </a:t>
+            </a:r>
+            <a:r>
+              <a:rPr lang="en-US" sz="2400" dirty="0" smtClean="0">
+                <a:latin typeface="Calibri" panose="020F0502020204030204" pitchFamily="34" charset="0"/>
+                <a:cs typeface="Calibri" panose="020F0502020204030204" pitchFamily="34" charset="0"/>
+              </a:rPr>
+              <a:t>visualizations </a:t>
+            </a:r>
+            <a:r>
+              <a:rPr lang="en-US" sz="2400" dirty="0">
+                <a:latin typeface="Calibri" panose="020F0502020204030204" pitchFamily="34" charset="0"/>
+                <a:cs typeface="Calibri" panose="020F0502020204030204" pitchFamily="34" charset="0"/>
+              </a:rPr>
+              <a:t>as markers on the map.</a:t>
+            </a:r>
+          </a:p>
+          <a:p>
+            <a:pPr marL="0" indent="0">
+              <a:buNone/>
+            </a:pPr>
+            <a:endParaRPr lang="en-US" sz="2400" dirty="0">
+              <a:latin typeface="Calibri" panose="020F0502020204030204" pitchFamily="34" charset="0"/>
+              <a:cs typeface="Calibri" panose="020F0502020204030204" pitchFamily="34" charset="0"/>
+            </a:endParaRPr>
+          </a:p>
         </p:txBody>
       </p:sp>
     </p:spTree>
     <p:extLst>
       <p:ext uri="{BB962C8B-B14F-4D97-AF65-F5344CB8AC3E}">
-        <p14:creationId xmlns:p14="http://schemas.microsoft.com/office/powerpoint/2010/main" val="1636491198"/>
+        <p14:creationId xmlns:p14="http://schemas.microsoft.com/office/powerpoint/2010/main" val="4069457371"/>
       </p:ext>
     </p:extLst>
   </p:cSld>
@@ -15012,7 +14880,7 @@
           <a:p>
             <a:r>
               <a:rPr lang="en-US" dirty="0" smtClean="0"/>
-              <a:t>Application libraries(Pandas)</a:t>
+              <a:t>Application libraries(Folium)</a:t>
             </a:r>
             <a:endParaRPr lang="en-US" dirty="0"/>
           </a:p>
@@ -15053,33 +14921,187 @@
               <a:buNone/>
             </a:pPr>
             <a:r>
+              <a:rPr lang="en-US" sz="2400" dirty="0" smtClean="0">
+                <a:latin typeface="Calibri" panose="020F0502020204030204" pitchFamily="34" charset="0"/>
+                <a:cs typeface="Calibri" panose="020F0502020204030204" pitchFamily="34" charset="0"/>
+              </a:rPr>
+              <a:t>The </a:t>
+            </a:r>
+            <a:r>
               <a:rPr lang="en-US" sz="2400" dirty="0">
                 <a:latin typeface="Calibri" panose="020F0502020204030204" pitchFamily="34" charset="0"/>
                 <a:cs typeface="Calibri" panose="020F0502020204030204" pitchFamily="34" charset="0"/>
               </a:rPr>
-              <a:t>pandas is an open source, BSD-licensed (Berkley Software Distribution) library providing </a:t>
+              <a:t>library </a:t>
             </a:r>
             <a:r>
               <a:rPr lang="en-US" sz="2400" dirty="0" smtClean="0">
                 <a:latin typeface="Calibri" panose="020F0502020204030204" pitchFamily="34" charset="0"/>
                 <a:cs typeface="Calibri" panose="020F0502020204030204" pitchFamily="34" charset="0"/>
               </a:rPr>
-              <a:t>high performance, easy-to-use </a:t>
+              <a:t>also has </a:t>
             </a:r>
             <a:r>
               <a:rPr lang="en-US" sz="2400" dirty="0">
                 <a:latin typeface="Calibri" panose="020F0502020204030204" pitchFamily="34" charset="0"/>
                 <a:cs typeface="Calibri" panose="020F0502020204030204" pitchFamily="34" charset="0"/>
               </a:rPr>
-              <a:t>data structures and data analysis tools for the Python programming language.</a:t>
-            </a:r>
+              <a:t>a number of built-in </a:t>
+            </a:r>
+            <a:r>
+              <a:rPr lang="en-US" sz="2400" dirty="0" err="1">
+                <a:latin typeface="Calibri" panose="020F0502020204030204" pitchFamily="34" charset="0"/>
+                <a:cs typeface="Calibri" panose="020F0502020204030204" pitchFamily="34" charset="0"/>
+              </a:rPr>
+              <a:t>tilesets</a:t>
+            </a:r>
+            <a:r>
+              <a:rPr lang="en-US" sz="2400" dirty="0">
+                <a:latin typeface="Calibri" panose="020F0502020204030204" pitchFamily="34" charset="0"/>
+                <a:cs typeface="Calibri" panose="020F0502020204030204" pitchFamily="34" charset="0"/>
+              </a:rPr>
+              <a:t> from </a:t>
+            </a:r>
+            <a:r>
+              <a:rPr lang="en-US" sz="2400" dirty="0" err="1">
+                <a:latin typeface="Calibri" panose="020F0502020204030204" pitchFamily="34" charset="0"/>
+                <a:cs typeface="Calibri" panose="020F0502020204030204" pitchFamily="34" charset="0"/>
+              </a:rPr>
+              <a:t>OpenStreetMap</a:t>
+            </a:r>
+            <a:r>
+              <a:rPr lang="en-US" sz="2400" dirty="0">
+                <a:latin typeface="Calibri" panose="020F0502020204030204" pitchFamily="34" charset="0"/>
+                <a:cs typeface="Calibri" panose="020F0502020204030204" pitchFamily="34" charset="0"/>
+              </a:rPr>
+              <a:t>, </a:t>
+            </a:r>
+            <a:r>
+              <a:rPr lang="en-US" sz="2400" dirty="0" err="1">
+                <a:latin typeface="Calibri" panose="020F0502020204030204" pitchFamily="34" charset="0"/>
+                <a:cs typeface="Calibri" panose="020F0502020204030204" pitchFamily="34" charset="0"/>
+              </a:rPr>
+              <a:t>Mapbox</a:t>
+            </a:r>
+            <a:r>
+              <a:rPr lang="en-US" sz="2400" dirty="0">
+                <a:latin typeface="Calibri" panose="020F0502020204030204" pitchFamily="34" charset="0"/>
+                <a:cs typeface="Calibri" panose="020F0502020204030204" pitchFamily="34" charset="0"/>
+              </a:rPr>
+              <a:t>, and Stamen, and supports </a:t>
+            </a:r>
+            <a:r>
+              <a:rPr lang="en-US" sz="2400" dirty="0" smtClean="0">
+                <a:latin typeface="Calibri" panose="020F0502020204030204" pitchFamily="34" charset="0"/>
+                <a:cs typeface="Calibri" panose="020F0502020204030204" pitchFamily="34" charset="0"/>
+              </a:rPr>
+              <a:t>custom </a:t>
+            </a:r>
+            <a:r>
+              <a:rPr lang="en-US" sz="2400" dirty="0" err="1">
+                <a:latin typeface="Calibri" panose="020F0502020204030204" pitchFamily="34" charset="0"/>
+                <a:cs typeface="Calibri" panose="020F0502020204030204" pitchFamily="34" charset="0"/>
+              </a:rPr>
+              <a:t>tilesets</a:t>
+            </a:r>
+            <a:r>
+              <a:rPr lang="en-US" sz="2400" dirty="0">
+                <a:latin typeface="Calibri" panose="020F0502020204030204" pitchFamily="34" charset="0"/>
+                <a:cs typeface="Calibri" panose="020F0502020204030204" pitchFamily="34" charset="0"/>
+              </a:rPr>
+              <a:t> with </a:t>
+            </a:r>
+            <a:r>
+              <a:rPr lang="en-US" sz="2400" dirty="0" err="1">
+                <a:latin typeface="Calibri" panose="020F0502020204030204" pitchFamily="34" charset="0"/>
+                <a:cs typeface="Calibri" panose="020F0502020204030204" pitchFamily="34" charset="0"/>
+              </a:rPr>
+              <a:t>Mapbox</a:t>
+            </a:r>
+            <a:r>
+              <a:rPr lang="en-US" sz="2400" dirty="0">
+                <a:latin typeface="Calibri" panose="020F0502020204030204" pitchFamily="34" charset="0"/>
+                <a:cs typeface="Calibri" panose="020F0502020204030204" pitchFamily="34" charset="0"/>
+              </a:rPr>
+              <a:t> or </a:t>
+            </a:r>
+            <a:r>
+              <a:rPr lang="en-US" sz="2400" dirty="0" err="1">
+                <a:latin typeface="Calibri" panose="020F0502020204030204" pitchFamily="34" charset="0"/>
+                <a:cs typeface="Calibri" panose="020F0502020204030204" pitchFamily="34" charset="0"/>
+              </a:rPr>
+              <a:t>Cloudmade</a:t>
+            </a:r>
+            <a:r>
+              <a:rPr lang="en-US" sz="2400" dirty="0">
+                <a:latin typeface="Calibri" panose="020F0502020204030204" pitchFamily="34" charset="0"/>
+                <a:cs typeface="Calibri" panose="020F0502020204030204" pitchFamily="34" charset="0"/>
+              </a:rPr>
+              <a:t> API keys. </a:t>
+            </a:r>
+          </a:p>
+          <a:p>
+            <a:pPr marL="0" indent="0">
+              <a:buNone/>
+            </a:pPr>
+            <a:r>
+              <a:rPr lang="en-US" sz="2400" dirty="0" smtClean="0">
+                <a:latin typeface="Calibri" panose="020F0502020204030204" pitchFamily="34" charset="0"/>
+                <a:cs typeface="Calibri" panose="020F0502020204030204" pitchFamily="34" charset="0"/>
+              </a:rPr>
+              <a:t>Folium </a:t>
+            </a:r>
+            <a:r>
+              <a:rPr lang="en-US" sz="2400" dirty="0">
+                <a:latin typeface="Calibri" panose="020F0502020204030204" pitchFamily="34" charset="0"/>
+                <a:cs typeface="Calibri" panose="020F0502020204030204" pitchFamily="34" charset="0"/>
+              </a:rPr>
+              <a:t>supports both Image, Video, </a:t>
+            </a:r>
+            <a:r>
+              <a:rPr lang="en-US" sz="2400" dirty="0" err="1">
+                <a:latin typeface="Calibri" panose="020F0502020204030204" pitchFamily="34" charset="0"/>
+                <a:cs typeface="Calibri" panose="020F0502020204030204" pitchFamily="34" charset="0"/>
+              </a:rPr>
+              <a:t>GeoJSON</a:t>
+            </a:r>
+            <a:r>
+              <a:rPr lang="en-US" sz="2400" dirty="0">
+                <a:latin typeface="Calibri" panose="020F0502020204030204" pitchFamily="34" charset="0"/>
+                <a:cs typeface="Calibri" panose="020F0502020204030204" pitchFamily="34" charset="0"/>
+              </a:rPr>
+              <a:t> and </a:t>
+            </a:r>
+            <a:r>
+              <a:rPr lang="en-US" sz="2400" dirty="0" err="1">
+                <a:latin typeface="Calibri" panose="020F0502020204030204" pitchFamily="34" charset="0"/>
+                <a:cs typeface="Calibri" panose="020F0502020204030204" pitchFamily="34" charset="0"/>
+              </a:rPr>
+              <a:t>TopoJSON</a:t>
+            </a:r>
+            <a:r>
+              <a:rPr lang="en-US" sz="2400" dirty="0">
+                <a:latin typeface="Calibri" panose="020F0502020204030204" pitchFamily="34" charset="0"/>
+                <a:cs typeface="Calibri" panose="020F0502020204030204" pitchFamily="34" charset="0"/>
+              </a:rPr>
+              <a:t> overlays.</a:t>
+            </a:r>
+          </a:p>
+          <a:p>
+            <a:pPr marL="0" indent="0">
+              <a:buNone/>
+            </a:pPr>
+            <a:endParaRPr lang="en-US" sz="2400" dirty="0">
+              <a:latin typeface="Calibri" panose="020F0502020204030204" pitchFamily="34" charset="0"/>
+              <a:cs typeface="Calibri" panose="020F0502020204030204" pitchFamily="34" charset="0"/>
+            </a:endParaRPr>
           </a:p>
         </p:txBody>
       </p:sp>
     </p:spTree>
     <p:extLst>
       <p:ext uri="{BB962C8B-B14F-4D97-AF65-F5344CB8AC3E}">
-        <p14:creationId xmlns:p14="http://schemas.microsoft.com/office/powerpoint/2010/main" val="974104936"/>
+        <p14:creationId xmlns:p14="http://schemas.microsoft.com/office/powerpoint/2010/main" val="1636491198"/>
       </p:ext>
     </p:extLst>
   </p:cSld>
@@ -15123,15 +15145,7 @@
           <a:p>
             <a:r>
               <a:rPr lang="en-US" dirty="0" smtClean="0"/>
-              <a:t>Application libraries(</a:t>
-            </a:r>
-            <a:r>
-              <a:rPr lang="en-US" dirty="0" err="1" smtClean="0"/>
-              <a:t>Numpy</a:t>
-            </a:r>
-            <a:r>
-              <a:rPr lang="en-US" dirty="0" smtClean="0"/>
-              <a:t>)</a:t>
+              <a:t>Application libraries(Pandas)</a:t>
             </a:r>
             <a:endParaRPr lang="en-US" dirty="0"/>
           </a:p>
@@ -15172,94 +15186,33 @@
               <a:buNone/>
             </a:pPr>
             <a:r>
-              <a:rPr lang="en-US" sz="2400" dirty="0" err="1">
-                <a:latin typeface="Calibri" panose="020F0502020204030204" pitchFamily="34" charset="0"/>
-                <a:cs typeface="Calibri" panose="020F0502020204030204" pitchFamily="34" charset="0"/>
-              </a:rPr>
-              <a:t>NumPy</a:t>
-            </a:r>
-            <a:r>
               <a:rPr lang="en-US" sz="2400" dirty="0">
                 <a:latin typeface="Calibri" panose="020F0502020204030204" pitchFamily="34" charset="0"/>
                 <a:cs typeface="Calibri" panose="020F0502020204030204" pitchFamily="34" charset="0"/>
               </a:rPr>
-              <a:t> is the fundamental package for scientific computing with Python. It contains among other things</a:t>
+              <a:t>pandas is an open source, BSD-licensed (Berkley Software Distribution) library providing </a:t>
             </a:r>
             <a:r>
               <a:rPr lang="en-US" sz="2400" dirty="0" smtClean="0">
                 <a:latin typeface="Calibri" panose="020F0502020204030204" pitchFamily="34" charset="0"/>
                 <a:cs typeface="Calibri" panose="020F0502020204030204" pitchFamily="34" charset="0"/>
               </a:rPr>
-              <a:t>:</a:t>
-            </a:r>
-            <a:endParaRPr lang="en-US" sz="2400" dirty="0">
-              <a:latin typeface="Calibri" panose="020F0502020204030204" pitchFamily="34" charset="0"/>
-              <a:cs typeface="Calibri" panose="020F0502020204030204" pitchFamily="34" charset="0"/>
-            </a:endParaRPr>
-          </a:p>
-          <a:p>
-            <a:pPr marL="0" indent="0">
-              <a:buNone/>
-            </a:pPr>
+              <a:t>high performance, easy-to-use </a:t>
+            </a:r>
             <a:r>
               <a:rPr lang="en-US" sz="2400" dirty="0">
                 <a:latin typeface="Calibri" panose="020F0502020204030204" pitchFamily="34" charset="0"/>
                 <a:cs typeface="Calibri" panose="020F0502020204030204" pitchFamily="34" charset="0"/>
               </a:rPr>
-              <a:t>a powerful N-dimensional array object</a:t>
-            </a:r>
-          </a:p>
-          <a:p>
-            <a:pPr marL="0" indent="0">
-              <a:buNone/>
-            </a:pPr>
-            <a:r>
-              <a:rPr lang="en-US" sz="2400" dirty="0">
-                <a:latin typeface="Calibri" panose="020F0502020204030204" pitchFamily="34" charset="0"/>
-                <a:cs typeface="Calibri" panose="020F0502020204030204" pitchFamily="34" charset="0"/>
-              </a:rPr>
-              <a:t>sophisticated (broadcasting) functions</a:t>
-            </a:r>
-          </a:p>
-          <a:p>
-            <a:pPr marL="0" indent="0">
-              <a:buNone/>
-            </a:pPr>
-            <a:r>
-              <a:rPr lang="en-US" sz="2400" dirty="0">
-                <a:latin typeface="Calibri" panose="020F0502020204030204" pitchFamily="34" charset="0"/>
-                <a:cs typeface="Calibri" panose="020F0502020204030204" pitchFamily="34" charset="0"/>
-              </a:rPr>
-              <a:t>tools for integrating C/C++ and Fortran code</a:t>
-            </a:r>
-          </a:p>
-          <a:p>
-            <a:pPr marL="0" indent="0">
-              <a:buNone/>
-            </a:pPr>
-            <a:r>
-              <a:rPr lang="en-US" sz="2400" dirty="0">
-                <a:latin typeface="Calibri" panose="020F0502020204030204" pitchFamily="34" charset="0"/>
-                <a:cs typeface="Calibri" panose="020F0502020204030204" pitchFamily="34" charset="0"/>
-              </a:rPr>
-              <a:t>useful linear algebra, Fourier transform, and random number capabilities</a:t>
-            </a:r>
-          </a:p>
-          <a:p>
-            <a:pPr marL="0" indent="0">
-              <a:buNone/>
-            </a:pPr>
-            <a:endParaRPr lang="en-US" sz="2400" dirty="0">
-              <a:latin typeface="Calibri" panose="020F0502020204030204" pitchFamily="34" charset="0"/>
-              <a:cs typeface="Calibri" panose="020F0502020204030204" pitchFamily="34" charset="0"/>
-            </a:endParaRPr>
+              <a:t>data structures and data analysis tools for the Python programming language.</a:t>
+            </a:r>
           </a:p>
         </p:txBody>
       </p:sp>
     </p:spTree>
     <p:extLst>
       <p:ext uri="{BB962C8B-B14F-4D97-AF65-F5344CB8AC3E}">
-        <p14:creationId xmlns:p14="http://schemas.microsoft.com/office/powerpoint/2010/main" val="3277502975"/>
+        <p14:creationId xmlns:p14="http://schemas.microsoft.com/office/powerpoint/2010/main" val="974104936"/>
       </p:ext>
     </p:extLst>
   </p:cSld>
@@ -15352,20 +15305,6 @@
               <a:buNone/>
             </a:pPr>
             <a:r>
-              <a:rPr lang="en-US" sz="2400" dirty="0" smtClean="0">
-                <a:latin typeface="Calibri" panose="020F0502020204030204" pitchFamily="34" charset="0"/>
-                <a:cs typeface="Calibri" panose="020F0502020204030204" pitchFamily="34" charset="0"/>
-              </a:rPr>
-              <a:t>Besides </a:t>
-            </a:r>
-            <a:r>
-              <a:rPr lang="en-US" sz="2400" dirty="0">
-                <a:latin typeface="Calibri" panose="020F0502020204030204" pitchFamily="34" charset="0"/>
-                <a:cs typeface="Calibri" panose="020F0502020204030204" pitchFamily="34" charset="0"/>
-              </a:rPr>
-              <a:t>its obvious scientific uses, </a:t>
-            </a:r>
-            <a:r>
               <a:rPr lang="en-US" sz="2400" dirty="0" err="1">
                 <a:latin typeface="Calibri" panose="020F0502020204030204" pitchFamily="34" charset="0"/>
                 <a:cs typeface="Calibri" panose="020F0502020204030204" pitchFamily="34" charset="0"/>
@@ -15377,68 +15316,83 @@
                 <a:latin typeface="Calibri" panose="020F0502020204030204" pitchFamily="34" charset="0"/>
                 <a:cs typeface="Calibri" panose="020F0502020204030204" pitchFamily="34" charset="0"/>
               </a:rPr>
-              <a:t> can also be used as an efficient multi-dimensional container of generic data. Arbitrary data-types can be defined. This allows </a:t>
-            </a:r>
-            <a:r>
-              <a:rPr lang="en-US" sz="2400" dirty="0" err="1">
+              <a:t> is the fundamental package for scientific computing with Python. It contains among other things</a:t>
+            </a:r>
+            <a:r>
+              <a:rPr lang="en-US" sz="2400" dirty="0" smtClean="0">
                 <a:latin typeface="Calibri" panose="020F0502020204030204" pitchFamily="34" charset="0"/>
                 <a:cs typeface="Calibri" panose="020F0502020204030204" pitchFamily="34" charset="0"/>
               </a:rPr>
-              <a:t>NumPy</a:t>
-            </a:r>
+              <a:t>:</a:t>
+            </a:r>
+            <a:endParaRPr lang="en-US" sz="2400" dirty="0">
+              <a:latin typeface="Calibri" panose="020F0502020204030204" pitchFamily="34" charset="0"/>
+              <a:cs typeface="Calibri" panose="020F0502020204030204" pitchFamily="34" charset="0"/>
+            </a:endParaRPr>
+          </a:p>
+          <a:p>
+            <a:pPr marL="0" indent="0">
+              <a:buNone/>
+            </a:pPr>
             <a:r>
               <a:rPr lang="en-US" sz="2400" dirty="0">
                 <a:latin typeface="Calibri" panose="020F0502020204030204" pitchFamily="34" charset="0"/>
                 <a:cs typeface="Calibri" panose="020F0502020204030204" pitchFamily="34" charset="0"/>
               </a:rPr>
-              <a:t> to seamlessly and speedily integrate with a wide variety of databases</a:t>
-            </a:r>
-            <a:r>
-              <a:rPr lang="en-US" sz="2400" dirty="0" smtClean="0">
+              <a:t>a powerful N-dimensional array object</a:t>
+            </a:r>
+          </a:p>
+          <a:p>
+            <a:pPr marL="0" indent="0">
+              <a:buNone/>
+            </a:pPr>
+            <a:r>
+              <a:rPr lang="en-US" sz="2400" dirty="0">
                 <a:latin typeface="Calibri" panose="020F0502020204030204" pitchFamily="34" charset="0"/>
                 <a:cs typeface="Calibri" panose="020F0502020204030204" pitchFamily="34" charset="0"/>
               </a:rPr>
-              <a:t>.</a:t>
-            </a:r>
+              <a:t>sophisticated (broadcasting) functions</a:t>
+            </a:r>
+          </a:p>
+          <a:p>
+            <a:pPr marL="0" indent="0">
+              <a:buNone/>
+            </a:pPr>
+            <a:r>
+              <a:rPr lang="en-US" sz="2400" dirty="0">
+                <a:latin typeface="Calibri" panose="020F0502020204030204" pitchFamily="34" charset="0"/>
+                <a:cs typeface="Calibri" panose="020F0502020204030204" pitchFamily="34" charset="0"/>
+              </a:rPr>
+              <a:t>tools for integrating C/C++ and Fortran code</a:t>
+            </a:r>
+          </a:p>
+          <a:p>
+            <a:pPr marL="0" indent="0">
+              <a:buNone/>
+            </a:pPr>
+            <a:r>
+              <a:rPr lang="en-US" sz="2400" dirty="0">
+                <a:latin typeface="Calibri" panose="020F0502020204030204" pitchFamily="34" charset="0"/>
+                <a:cs typeface="Calibri" panose="020F0502020204030204" pitchFamily="34" charset="0"/>
+              </a:rPr>
+              <a:t>useful linear algebra, Fourier transform, and random number capabilities</a:t>
+            </a:r>
+          </a:p>
+          <a:p>
+            <a:pPr marL="0" indent="0">
+              <a:buNone/>
+            </a:pPr>
             <a:endParaRPr lang="en-US" sz="2400" dirty="0">
               <a:latin typeface="Calibri" panose="020F0502020204030204" pitchFamily="34" charset="0"/>
               <a:cs typeface="Calibri" panose="020F0502020204030204" pitchFamily="34" charset="0"/>
             </a:endParaRPr>
           </a:p>
-          <a:p>
-            <a:pPr marL="0" indent="0">
-              <a:buNone/>
-            </a:pPr>
-            <a:r>
-              <a:rPr lang="en-US" sz="2400" dirty="0" err="1">
-                <a:latin typeface="Calibri" panose="020F0502020204030204" pitchFamily="34" charset="0"/>
-                <a:cs typeface="Calibri" panose="020F0502020204030204" pitchFamily="34" charset="0"/>
-              </a:rPr>
-              <a:t>NumPy</a:t>
-            </a:r>
-            <a:r>
-              <a:rPr lang="en-US" sz="2400" dirty="0">
-                <a:latin typeface="Calibri" panose="020F0502020204030204" pitchFamily="34" charset="0"/>
-                <a:cs typeface="Calibri" panose="020F0502020204030204" pitchFamily="34" charset="0"/>
-              </a:rPr>
-              <a:t> is licensed under the BSD license, enabling reuse with few restrictions</a:t>
-            </a:r>
-          </a:p>
-          <a:p>
-            <a:pPr marL="0" indent="0">
-              <a:buNone/>
-            </a:pPr>
-            <a:endParaRPr lang="en-US" sz="2400" dirty="0" smtClean="0">
-              <a:latin typeface="Calibri" panose="020F0502020204030204" pitchFamily="34" charset="0"/>
-              <a:cs typeface="Calibri" panose="020F0502020204030204" pitchFamily="34" charset="0"/>
-            </a:endParaRPr>
-          </a:p>
         </p:txBody>
       </p:sp>
     </p:spTree>
     <p:extLst>
       <p:ext uri="{BB962C8B-B14F-4D97-AF65-F5344CB8AC3E}">
-        <p14:creationId xmlns:p14="http://schemas.microsoft.com/office/powerpoint/2010/main" val="1033859889"/>
+        <p14:creationId xmlns:p14="http://schemas.microsoft.com/office/powerpoint/2010/main" val="3277502975"/>
       </p:ext>
     </p:extLst>
   </p:cSld>
@@ -15482,7 +15436,15 @@
           <a:p>
             <a:r>
               <a:rPr lang="en-US" dirty="0" smtClean="0"/>
-              <a:t>Functions</a:t>
+              <a:t>Application libraries(</a:t>
+            </a:r>
+            <a:r>
+              <a:rPr lang="en-US" dirty="0" err="1" smtClean="0"/>
+              <a:t>Numpy</a:t>
+            </a:r>
+            <a:r>
+              <a:rPr lang="en-US" dirty="0" smtClean="0"/>
+              <a:t>)</a:t>
             </a:r>
             <a:endParaRPr lang="en-US" dirty="0"/>
           </a:p>
@@ -15498,58 +15460,118 @@
             <p:ph idx="1"/>
           </p:nvPr>
         </p:nvSpPr>
-        <p:spPr/>
+        <p:spPr>
+          <a:xfrm>
+            <a:off x="532654" y="2463800"/>
+            <a:ext cx="9868646" cy="3416300"/>
+          </a:xfrm>
+        </p:spPr>
         <p:txBody>
           <a:bodyPr>
-            <a:normAutofit/>
+            <a:noAutofit/>
           </a:bodyPr>
           <a:lstStyle/>
           <a:p>
-            <a:r>
-              <a:rPr lang="en-US" sz="2400" dirty="0" err="1" smtClean="0">
-                <a:latin typeface="Calibri" panose="020F0502020204030204" pitchFamily="34" charset="0"/>
-                <a:cs typeface="Calibri" panose="020F0502020204030204" pitchFamily="34" charset="0"/>
-              </a:rPr>
-              <a:t>Heatmap</a:t>
-            </a:r>
+            <a:pPr marL="0" indent="0">
+              <a:buNone/>
+            </a:pPr>
             <a:endParaRPr lang="en-US" sz="2400" dirty="0" smtClean="0">
               <a:latin typeface="Calibri" panose="020F0502020204030204" pitchFamily="34" charset="0"/>
               <a:cs typeface="Calibri" panose="020F0502020204030204" pitchFamily="34" charset="0"/>
             </a:endParaRPr>
           </a:p>
           <a:p>
+            <a:pPr marL="0" indent="0">
+              <a:buNone/>
+            </a:pPr>
             <a:r>
               <a:rPr lang="en-US" sz="2400" dirty="0" smtClean="0">
                 <a:latin typeface="Calibri" panose="020F0502020204030204" pitchFamily="34" charset="0"/>
                 <a:cs typeface="Calibri" panose="020F0502020204030204" pitchFamily="34" charset="0"/>
               </a:rPr>
-              <a:t>Marker</a:t>
-            </a:r>
-          </a:p>
-          <a:p>
+              <a:t>Besides </a:t>
+            </a:r>
             <a:r>
               <a:rPr lang="en-US" sz="2400" dirty="0">
                 <a:latin typeface="Calibri" panose="020F0502020204030204" pitchFamily="34" charset="0"/>
                 <a:cs typeface="Calibri" panose="020F0502020204030204" pitchFamily="34" charset="0"/>
               </a:rPr>
-              <a:t>Polyline</a:t>
-            </a:r>
-          </a:p>
-          <a:p>
-            <a:pPr marL="0" indent="0">
-              <a:buNone/>
-            </a:pPr>
+              <a:t>its obvious scientific uses, </a:t>
+            </a:r>
+            <a:r>
+              <a:rPr lang="en-US" sz="2400" dirty="0" err="1">
+                <a:latin typeface="Calibri" panose="020F0502020204030204" pitchFamily="34" charset="0"/>
+                <a:cs typeface="Calibri" panose="020F0502020204030204" pitchFamily="34" charset="0"/>
+              </a:rPr>
+              <a:t>NumPy</a:t>
+            </a:r>
+            <a:r>
+              <a:rPr lang="en-US" sz="2400" dirty="0">
+                <a:latin typeface="Calibri" panose="020F0502020204030204" pitchFamily="34" charset="0"/>
+                <a:cs typeface="Calibri" panose="020F0502020204030204" pitchFamily="34" charset="0"/>
+              </a:rPr>
+              <a:t> can also be used as an efficient multi-dimensional container of generic data. Arbitrary data-types can be defined. This allows </a:t>
+            </a:r>
+            <a:r>
+              <a:rPr lang="en-US" sz="2400" dirty="0" err="1">
+                <a:latin typeface="Calibri" panose="020F0502020204030204" pitchFamily="34" charset="0"/>
+                <a:cs typeface="Calibri" panose="020F0502020204030204" pitchFamily="34" charset="0"/>
+              </a:rPr>
+              <a:t>NumPy</a:t>
+            </a:r>
+            <a:r>
+              <a:rPr lang="en-US" sz="2400" dirty="0">
+                <a:latin typeface="Calibri" panose="020F0502020204030204" pitchFamily="34" charset="0"/>
+                <a:cs typeface="Calibri" panose="020F0502020204030204" pitchFamily="34" charset="0"/>
+              </a:rPr>
+              <a:t> to seamlessly and speedily integrate with a wide variety of databases</a:t>
+            </a:r>
+            <a:r>
+              <a:rPr lang="en-US" sz="2400" dirty="0" smtClean="0">
+                <a:latin typeface="Calibri" panose="020F0502020204030204" pitchFamily="34" charset="0"/>
+                <a:cs typeface="Calibri" panose="020F0502020204030204" pitchFamily="34" charset="0"/>
+              </a:rPr>
+              <a:t>.</a:t>
+            </a:r>
             <a:endParaRPr lang="en-US" sz="2400" dirty="0">
               <a:latin typeface="Calibri" panose="020F0502020204030204" pitchFamily="34" charset="0"/>
               <a:cs typeface="Calibri" panose="020F0502020204030204" pitchFamily="34" charset="0"/>
             </a:endParaRPr>
           </a:p>
+          <a:p>
+            <a:pPr marL="0" indent="0">
+              <a:buNone/>
+            </a:pPr>
+            <a:r>
+              <a:rPr lang="en-US" sz="2400" dirty="0" err="1">
+                <a:latin typeface="Calibri" panose="020F0502020204030204" pitchFamily="34" charset="0"/>
+                <a:cs typeface="Calibri" panose="020F0502020204030204" pitchFamily="34" charset="0"/>
+              </a:rPr>
+              <a:t>NumPy</a:t>
+            </a:r>
+            <a:r>
+              <a:rPr lang="en-US" sz="2400" dirty="0">
+                <a:latin typeface="Calibri" panose="020F0502020204030204" pitchFamily="34" charset="0"/>
+                <a:cs typeface="Calibri" panose="020F0502020204030204" pitchFamily="34" charset="0"/>
+              </a:rPr>
+              <a:t> is licensed under the BSD license, enabling reuse with few restrictions</a:t>
+            </a:r>
+          </a:p>
+          <a:p>
+            <a:pPr marL="0" indent="0">
+              <a:buNone/>
+            </a:pPr>
+            <a:endParaRPr lang="en-US" sz="2400" dirty="0" smtClean="0">
+              <a:latin typeface="Calibri" panose="020F0502020204030204" pitchFamily="34" charset="0"/>
+              <a:cs typeface="Calibri" panose="020F0502020204030204" pitchFamily="34" charset="0"/>
+            </a:endParaRPr>
+          </a:p>
         </p:txBody>
       </p:sp>
     </p:spTree>
     <p:extLst>
       <p:ext uri="{BB962C8B-B14F-4D97-AF65-F5344CB8AC3E}">
-        <p14:creationId xmlns:p14="http://schemas.microsoft.com/office/powerpoint/2010/main" val="382046283"/>
+        <p14:creationId xmlns:p14="http://schemas.microsoft.com/office/powerpoint/2010/main" val="1033859889"/>
       </p:ext>
     </p:extLst>
   </p:cSld>
@@ -15593,6 +15615,117 @@
           <a:p>
             <a:r>
               <a:rPr lang="en-US" dirty="0" smtClean="0"/>
+              <a:t>Functions</a:t>
+            </a:r>
+            <a:endParaRPr lang="en-US" dirty="0"/>
+          </a:p>
+        </p:txBody>
+      </p:sp>
+      <p:sp>
+        <p:nvSpPr>
+          <p:cNvPr id="3" name="Content Placeholder 2"/>
+          <p:cNvSpPr>
+            <a:spLocks noGrp="1"/>
+          </p:cNvSpPr>
+          <p:nvPr>
+            <p:ph idx="1"/>
+          </p:nvPr>
+        </p:nvSpPr>
+        <p:spPr/>
+        <p:txBody>
+          <a:bodyPr>
+            <a:normAutofit/>
+          </a:bodyPr>
+          <a:lstStyle/>
+          <a:p>
+            <a:r>
+              <a:rPr lang="en-US" sz="2400" dirty="0" err="1" smtClean="0">
+                <a:latin typeface="Calibri" panose="020F0502020204030204" pitchFamily="34" charset="0"/>
+                <a:cs typeface="Calibri" panose="020F0502020204030204" pitchFamily="34" charset="0"/>
+              </a:rPr>
+              <a:t>Heatmap</a:t>
+            </a:r>
+            <a:endParaRPr lang="en-US" sz="2400" dirty="0" smtClean="0">
+              <a:latin typeface="Calibri" panose="020F0502020204030204" pitchFamily="34" charset="0"/>
+              <a:cs typeface="Calibri" panose="020F0502020204030204" pitchFamily="34" charset="0"/>
+            </a:endParaRPr>
+          </a:p>
+          <a:p>
+            <a:r>
+              <a:rPr lang="en-US" sz="2400" dirty="0" smtClean="0">
+                <a:latin typeface="Calibri" panose="020F0502020204030204" pitchFamily="34" charset="0"/>
+                <a:cs typeface="Calibri" panose="020F0502020204030204" pitchFamily="34" charset="0"/>
+              </a:rPr>
+              <a:t>Marker</a:t>
+            </a:r>
+          </a:p>
+          <a:p>
+            <a:r>
+              <a:rPr lang="en-US" sz="2400" dirty="0">
+                <a:latin typeface="Calibri" panose="020F0502020204030204" pitchFamily="34" charset="0"/>
+                <a:cs typeface="Calibri" panose="020F0502020204030204" pitchFamily="34" charset="0"/>
+              </a:rPr>
+              <a:t>Polyline</a:t>
+            </a:r>
+          </a:p>
+          <a:p>
+            <a:pPr marL="0" indent="0">
+              <a:buNone/>
+            </a:pPr>
+            <a:endParaRPr lang="en-US" sz="2400" dirty="0">
+              <a:latin typeface="Calibri" panose="020F0502020204030204" pitchFamily="34" charset="0"/>
+              <a:cs typeface="Calibri" panose="020F0502020204030204" pitchFamily="34" charset="0"/>
+            </a:endParaRPr>
+          </a:p>
+        </p:txBody>
+      </p:sp>
+    </p:spTree>
+    <p:extLst>
+      <p:ext uri="{BB962C8B-B14F-4D97-AF65-F5344CB8AC3E}">
+        <p14:creationId xmlns:p14="http://schemas.microsoft.com/office/powerpoint/2010/main" val="382046283"/>
+      </p:ext>
+    </p:extLst>
+  </p:cSld>
+  <p:clrMapOvr>
+    <a:masterClrMapping/>
+  </p:clrMapOvr>
+</p:sld>
+</file>
+
+<file path=ppt/slides/slide25.xml><?xml version="1.0" encoding="utf-8"?>
+<p:sld xmlns:a="http://schemas.openxmlformats.org/drawingml/2006/main" xmlns:r="http://schemas.openxmlformats.org/officeDocument/2006/relationships" xmlns:p="http://schemas.openxmlformats.org/presentationml/2006/main">
+  <p:cSld>
+    <p:spTree>
+      <p:nvGrpSpPr>
+        <p:cNvPr id="1" name=""/>
+        <p:cNvGrpSpPr/>
+        <p:nvPr/>
+      </p:nvGrpSpPr>
+      <p:grpSpPr>
+        <a:xfrm>
+          <a:off x="0" y="0"/>
+          <a:ext cx="0" cy="0"/>
+          <a:chOff x="0" y="0"/>
+          <a:chExt cx="0" cy="0"/>
+        </a:xfrm>
+      </p:grpSpPr>
+      <p:sp>
+        <p:nvSpPr>
+          <p:cNvPr id="2" name="Title 1"/>
+          <p:cNvSpPr>
+            <a:spLocks noGrp="1"/>
+          </p:cNvSpPr>
+          <p:nvPr>
+            <p:ph type="title"/>
+          </p:nvPr>
+        </p:nvSpPr>
+        <p:spPr/>
+        <p:txBody>
+          <a:bodyPr/>
+          <a:lstStyle/>
+          <a:p>
+            <a:r>
+              <a:rPr lang="en-US" dirty="0" smtClean="0"/>
               <a:t>Functions(</a:t>
             </a:r>
             <a:r>
@@ -15717,7 +15850,7 @@
 </p:sld>
 </file>
 
-<file path=ppt/slides/slide25.xml><?xml version="1.0" encoding="utf-8"?>
+<file path=ppt/slides/slide26.xml><?xml version="1.0" encoding="utf-8"?>
 <p:sld xmlns:a="http://schemas.openxmlformats.org/drawingml/2006/main" xmlns:r="http://schemas.openxmlformats.org/officeDocument/2006/relationships" xmlns:p="http://schemas.openxmlformats.org/presentationml/2006/main">
   <p:cSld>
     <p:spTree>
@@ -15804,7 +15937,7 @@
 </p:sld>
 </file>
 
-<file path=ppt/slides/slide26.xml><?xml version="1.0" encoding="utf-8"?>
+<file path=ppt/slides/slide27.xml><?xml version="1.0" encoding="utf-8"?>
 <p:sld xmlns:a="http://schemas.openxmlformats.org/drawingml/2006/main" xmlns:r="http://schemas.openxmlformats.org/officeDocument/2006/relationships" xmlns:p="http://schemas.openxmlformats.org/presentationml/2006/main">
   <p:cSld>
     <p:spTree>
@@ -15943,7 +16076,7 @@
 </p:sld>
 </file>
 
-<file path=ppt/slides/slide27.xml><?xml version="1.0" encoding="utf-8"?>
+<file path=ppt/slides/slide28.xml><?xml version="1.0" encoding="utf-8"?>
 <p:sld xmlns:a="http://schemas.openxmlformats.org/drawingml/2006/main" xmlns:r="http://schemas.openxmlformats.org/officeDocument/2006/relationships" xmlns:p="http://schemas.openxmlformats.org/presentationml/2006/main">
   <p:cSld>
     <p:spTree>
@@ -16027,7 +16160,7 @@
 </p:sld>
 </file>
 
-<file path=ppt/slides/slide28.xml><?xml version="1.0" encoding="utf-8"?>
+<file path=ppt/slides/slide29.xml><?xml version="1.0" encoding="utf-8"?>
 <p:sld xmlns:a="http://schemas.openxmlformats.org/drawingml/2006/main" xmlns:r="http://schemas.openxmlformats.org/officeDocument/2006/relationships" xmlns:p="http://schemas.openxmlformats.org/presentationml/2006/main">
   <p:cSld>
     <p:spTree>
@@ -16168,7 +16301,154 @@
 </p:sld>
 </file>
 
-<file path=ppt/slides/slide29.xml><?xml version="1.0" encoding="utf-8"?>
+<file path=ppt/slides/slide3.xml><?xml version="1.0" encoding="utf-8"?>
+<p:sld xmlns:a="http://schemas.openxmlformats.org/drawingml/2006/main" xmlns:r="http://schemas.openxmlformats.org/officeDocument/2006/relationships" xmlns:p="http://schemas.openxmlformats.org/presentationml/2006/main">
+  <p:cSld>
+    <p:spTree>
+      <p:nvGrpSpPr>
+        <p:cNvPr id="1" name=""/>
+        <p:cNvGrpSpPr/>
+        <p:nvPr/>
+      </p:nvGrpSpPr>
+      <p:grpSpPr>
+        <a:xfrm>
+          <a:off x="0" y="0"/>
+          <a:ext cx="0" cy="0"/>
+          <a:chOff x="0" y="0"/>
+          <a:chExt cx="0" cy="0"/>
+        </a:xfrm>
+      </p:grpSpPr>
+      <p:sp>
+        <p:nvSpPr>
+          <p:cNvPr id="5" name="Title 1"/>
+          <p:cNvSpPr>
+            <a:spLocks noGrp="1"/>
+          </p:cNvSpPr>
+          <p:nvPr>
+            <p:ph type="title"/>
+          </p:nvPr>
+        </p:nvSpPr>
+        <p:spPr/>
+        <p:txBody>
+          <a:bodyPr/>
+          <a:lstStyle/>
+          <a:p>
+            <a:r>
+              <a:rPr lang="en-US" dirty="0" smtClean="0"/>
+              <a:t>Summary/Problem statement</a:t>
+            </a:r>
+            <a:endParaRPr lang="en-US" dirty="0"/>
+          </a:p>
+        </p:txBody>
+      </p:sp>
+      <p:sp>
+        <p:nvSpPr>
+          <p:cNvPr id="3" name="Content Placeholder 2"/>
+          <p:cNvSpPr>
+            <a:spLocks noGrp="1"/>
+          </p:cNvSpPr>
+          <p:nvPr>
+            <p:ph idx="1"/>
+          </p:nvPr>
+        </p:nvSpPr>
+        <p:spPr>
+          <a:xfrm>
+            <a:off x="457200" y="2324100"/>
+            <a:ext cx="9893300" cy="3649662"/>
+          </a:xfrm>
+        </p:spPr>
+        <p:txBody>
+          <a:bodyPr/>
+          <a:lstStyle/>
+          <a:p>
+            <a:pPr marL="0" indent="0">
+              <a:buNone/>
+            </a:pPr>
+            <a:endParaRPr lang="en-US" dirty="0" smtClean="0"/>
+          </a:p>
+          <a:p>
+            <a:pPr marL="0" indent="0">
+              <a:buNone/>
+            </a:pPr>
+            <a:endParaRPr lang="en-US" dirty="0" smtClean="0"/>
+          </a:p>
+          <a:p>
+            <a:pPr marL="0" indent="0">
+              <a:buNone/>
+            </a:pPr>
+            <a:r>
+              <a:rPr lang="en-US" sz="2400" dirty="0" smtClean="0">
+                <a:latin typeface="Calibri" panose="020F0502020204030204" pitchFamily="34" charset="0"/>
+                <a:cs typeface="Calibri" panose="020F0502020204030204" pitchFamily="34" charset="0"/>
+              </a:rPr>
+              <a:t>This </a:t>
+            </a:r>
+            <a:r>
+              <a:rPr lang="en-US" sz="2400" dirty="0">
+                <a:latin typeface="Calibri" panose="020F0502020204030204" pitchFamily="34" charset="0"/>
+                <a:cs typeface="Calibri" panose="020F0502020204030204" pitchFamily="34" charset="0"/>
+              </a:rPr>
+              <a:t>application </a:t>
+            </a:r>
+            <a:r>
+              <a:rPr lang="en-US" sz="2400" dirty="0" smtClean="0">
+                <a:latin typeface="Calibri" panose="020F0502020204030204" pitchFamily="34" charset="0"/>
+                <a:cs typeface="Calibri" panose="020F0502020204030204" pitchFamily="34" charset="0"/>
+              </a:rPr>
+              <a:t>aims at providing customized </a:t>
+            </a:r>
+            <a:r>
+              <a:rPr lang="en-US" sz="2400" dirty="0">
+                <a:latin typeface="Calibri" panose="020F0502020204030204" pitchFamily="34" charset="0"/>
+                <a:cs typeface="Calibri" panose="020F0502020204030204" pitchFamily="34" charset="0"/>
+              </a:rPr>
+              <a:t>functionalities for analyzing collections of data </a:t>
+            </a:r>
+            <a:r>
+              <a:rPr lang="en-US" sz="2400" dirty="0" smtClean="0">
+                <a:latin typeface="Calibri" panose="020F0502020204030204" pitchFamily="34" charset="0"/>
+                <a:cs typeface="Calibri" panose="020F0502020204030204" pitchFamily="34" charset="0"/>
+              </a:rPr>
+              <a:t>generated from </a:t>
+            </a:r>
+            <a:r>
+              <a:rPr lang="en-US" sz="2400" dirty="0">
+                <a:latin typeface="Calibri" panose="020F0502020204030204" pitchFamily="34" charset="0"/>
+                <a:cs typeface="Calibri" panose="020F0502020204030204" pitchFamily="34" charset="0"/>
+              </a:rPr>
+              <a:t>users’ maps and offers </a:t>
+            </a:r>
+            <a:r>
+              <a:rPr lang="en-US" sz="2400" dirty="0" smtClean="0">
+                <a:latin typeface="Calibri" panose="020F0502020204030204" pitchFamily="34" charset="0"/>
+                <a:cs typeface="Calibri" panose="020F0502020204030204" pitchFamily="34" charset="0"/>
+              </a:rPr>
+              <a:t>insights and/or trends </a:t>
+            </a:r>
+            <a:r>
+              <a:rPr lang="en-US" sz="2400" dirty="0">
+                <a:latin typeface="Calibri" panose="020F0502020204030204" pitchFamily="34" charset="0"/>
+                <a:cs typeface="Calibri" panose="020F0502020204030204" pitchFamily="34" charset="0"/>
+              </a:rPr>
+              <a:t>to the end user.</a:t>
+            </a:r>
+          </a:p>
+        </p:txBody>
+      </p:sp>
+    </p:spTree>
+    <p:extLst>
+      <p:ext uri="{BB962C8B-B14F-4D97-AF65-F5344CB8AC3E}">
+        <p14:creationId xmlns:p14="http://schemas.microsoft.com/office/powerpoint/2010/main" val="1457085366"/>
+      </p:ext>
+    </p:extLst>
+  </p:cSld>
+  <p:clrMapOvr>
+    <a:masterClrMapping/>
+  </p:clrMapOvr>
+</p:sld>
+</file>
+
+<file path=ppt/slides/slide30.xml><?xml version="1.0" encoding="utf-8"?>
 <p:sld xmlns:a="http://schemas.openxmlformats.org/drawingml/2006/main" xmlns:r="http://schemas.openxmlformats.org/officeDocument/2006/relationships" xmlns:p="http://schemas.openxmlformats.org/presentationml/2006/main">
   <p:cSld>
     <p:spTree>
@@ -16247,7 +16527,7 @@
 </p:sld>
 </file>
 
-<file path=ppt/slides/slide3.xml><?xml version="1.0" encoding="utf-8"?>
+<file path=ppt/slides/slide31.xml><?xml version="1.0" encoding="utf-8"?>
 <p:sld xmlns:a="http://schemas.openxmlformats.org/drawingml/2006/main" xmlns:r="http://schemas.openxmlformats.org/officeDocument/2006/relationships" xmlns:p="http://schemas.openxmlformats.org/presentationml/2006/main">
   <p:cSld>
     <p:spTree>
@@ -16266,7 +16546,7 @@
       </p:grpSpPr>
       <p:sp>
         <p:nvSpPr>
-          <p:cNvPr id="5" name="Title 1"/>
+          <p:cNvPr id="2" name="Title 1"/>
           <p:cNvSpPr>
             <a:spLocks noGrp="1"/>
           </p:cNvSpPr>
@@ -16281,7 +16561,7 @@
           <a:p>
             <a:r>
               <a:rPr lang="en-US" dirty="0" smtClean="0"/>
-              <a:t>Summary/Problem statement</a:t>
+              <a:t>Future direction of work</a:t>
             </a:r>
             <a:endParaRPr lang="en-US" dirty="0"/>
           </a:p>
@@ -16297,94 +16577,39 @@
             <p:ph idx="1"/>
           </p:nvPr>
         </p:nvSpPr>
-        <p:spPr>
-          <a:xfrm>
-            <a:off x="457200" y="2324100"/>
-            <a:ext cx="9893300" cy="3649662"/>
-          </a:xfrm>
-        </p:spPr>
+        <p:spPr/>
         <p:txBody>
           <a:bodyPr/>
           <a:lstStyle/>
           <a:p>
-            <a:pPr marL="0" indent="0">
-              <a:buNone/>
-            </a:pPr>
-            <a:endParaRPr lang="en-US" dirty="0" smtClean="0"/>
-          </a:p>
-          <a:p>
-            <a:pPr marL="0" indent="0">
-              <a:buNone/>
-            </a:pPr>
-            <a:endParaRPr lang="en-US" dirty="0" smtClean="0"/>
-          </a:p>
-          <a:p>
-            <a:pPr marL="0" indent="0">
-              <a:buNone/>
-            </a:pPr>
-            <a:r>
-              <a:rPr lang="en-US" sz="2400" dirty="0" smtClean="0">
-                <a:latin typeface="Calibri" panose="020F0502020204030204" pitchFamily="34" charset="0"/>
-                <a:cs typeface="Calibri" panose="020F0502020204030204" pitchFamily="34" charset="0"/>
-              </a:rPr>
-              <a:t>This </a:t>
-            </a:r>
-            <a:r>
-              <a:rPr lang="en-US" sz="2400" dirty="0">
-                <a:latin typeface="Calibri" panose="020F0502020204030204" pitchFamily="34" charset="0"/>
-                <a:cs typeface="Calibri" panose="020F0502020204030204" pitchFamily="34" charset="0"/>
-              </a:rPr>
-              <a:t>application </a:t>
-            </a:r>
-            <a:r>
-              <a:rPr lang="en-US" sz="2400" dirty="0" smtClean="0">
-                <a:latin typeface="Calibri" panose="020F0502020204030204" pitchFamily="34" charset="0"/>
-                <a:cs typeface="Calibri" panose="020F0502020204030204" pitchFamily="34" charset="0"/>
-              </a:rPr>
-              <a:t>aims at providing customized </a:t>
-            </a:r>
-            <a:r>
-              <a:rPr lang="en-US" sz="2400" dirty="0">
-                <a:latin typeface="Calibri" panose="020F0502020204030204" pitchFamily="34" charset="0"/>
-                <a:cs typeface="Calibri" panose="020F0502020204030204" pitchFamily="34" charset="0"/>
-              </a:rPr>
-              <a:t>functionalities for analyzing collections of data </a:t>
-            </a:r>
-            <a:r>
-              <a:rPr lang="en-US" sz="2400" dirty="0" smtClean="0">
-                <a:latin typeface="Calibri" panose="020F0502020204030204" pitchFamily="34" charset="0"/>
-                <a:cs typeface="Calibri" panose="020F0502020204030204" pitchFamily="34" charset="0"/>
-              </a:rPr>
-              <a:t>generated from </a:t>
-            </a:r>
-            <a:r>
-              <a:rPr lang="en-US" sz="2400" dirty="0">
-                <a:latin typeface="Calibri" panose="020F0502020204030204" pitchFamily="34" charset="0"/>
-                <a:cs typeface="Calibri" panose="020F0502020204030204" pitchFamily="34" charset="0"/>
-              </a:rPr>
-              <a:t>users’ maps and offers </a:t>
-            </a:r>
-            <a:r>
-              <a:rPr lang="en-US" sz="2400" dirty="0" smtClean="0">
-                <a:latin typeface="Calibri" panose="020F0502020204030204" pitchFamily="34" charset="0"/>
-                <a:cs typeface="Calibri" panose="020F0502020204030204" pitchFamily="34" charset="0"/>
-              </a:rPr>
-              <a:t>insights and/or trends </a:t>
-            </a:r>
-            <a:r>
-              <a:rPr lang="en-US" sz="2400" dirty="0">
-                <a:latin typeface="Calibri" panose="020F0502020204030204" pitchFamily="34" charset="0"/>
-                <a:cs typeface="Calibri" panose="020F0502020204030204" pitchFamily="34" charset="0"/>
-              </a:rPr>
-              <a:t>to the end user.</a:t>
-            </a:r>
+            <a:r>
+              <a:rPr lang="en-US" dirty="0" smtClean="0"/>
+              <a:t>Polygon</a:t>
+            </a:r>
+          </a:p>
+          <a:p>
+            <a:r>
+              <a:rPr lang="en-US" dirty="0" smtClean="0"/>
+              <a:t>Generating areas</a:t>
+            </a:r>
+          </a:p>
+          <a:p>
+            <a:r>
+              <a:rPr lang="en-US" smtClean="0"/>
+              <a:t>Advanced data </a:t>
+            </a:r>
+            <a:r>
+              <a:rPr lang="en-US" dirty="0" smtClean="0"/>
+              <a:t>analysis</a:t>
+            </a:r>
+            <a:endParaRPr lang="en-US" dirty="0"/>
           </a:p>
         </p:txBody>
       </p:sp>
     </p:spTree>
     <p:extLst>
       <p:ext uri="{BB962C8B-B14F-4D97-AF65-F5344CB8AC3E}">
-        <p14:creationId xmlns:p14="http://schemas.microsoft.com/office/powerpoint/2010/main" val="1457085366"/>
+        <p14:creationId xmlns:p14="http://schemas.microsoft.com/office/powerpoint/2010/main" val="2302092751"/>
       </p:ext>
     </p:extLst>
   </p:cSld>
@@ -16394,7 +16619,7 @@
 </p:sld>
 </file>
 
-<file path=ppt/slides/slide30.xml><?xml version="1.0" encoding="utf-8"?>
+<file path=ppt/slides/slide32.xml><?xml version="1.0" encoding="utf-8"?>
 <p:sld xmlns:a="http://schemas.openxmlformats.org/drawingml/2006/main" xmlns:r="http://schemas.openxmlformats.org/officeDocument/2006/relationships" xmlns:p="http://schemas.openxmlformats.org/presentationml/2006/main">
   <p:cSld>
     <p:spTree>
@@ -16428,7 +16653,7 @@
           <a:p>
             <a:r>
               <a:rPr lang="en-US" dirty="0" smtClean="0"/>
-              <a:t>Future direction of work</a:t>
+              <a:t>Questions</a:t>
             </a:r>
             <a:endParaRPr lang="en-US" dirty="0"/>
           </a:p>
@@ -16449,34 +16674,61 @@
           <a:bodyPr/>
           <a:lstStyle/>
           <a:p>
-            <a:r>
-              <a:rPr lang="en-US" dirty="0" smtClean="0"/>
-              <a:t>Polygon</a:t>
-            </a:r>
-          </a:p>
-          <a:p>
-            <a:r>
-              <a:rPr lang="en-US" dirty="0" smtClean="0"/>
-              <a:t>Generating areas</a:t>
-            </a:r>
-          </a:p>
-          <a:p>
-            <a:r>
-              <a:rPr lang="en-US" smtClean="0"/>
-              <a:t>Advanced data </a:t>
-            </a:r>
-            <a:r>
-              <a:rPr lang="en-US" dirty="0" smtClean="0"/>
-              <a:t>analysis</a:t>
-            </a:r>
+            <a:pPr marL="0" indent="0">
+              <a:buNone/>
+            </a:pPr>
             <a:endParaRPr lang="en-US" dirty="0"/>
+          </a:p>
+          <a:p>
+            <a:pPr marL="0" indent="0" algn="ctr">
+              <a:buNone/>
+            </a:pPr>
+            <a:r>
+              <a:rPr lang="en-US" sz="9600" b="1" dirty="0" smtClean="0">
+                <a:latin typeface="Calibri" panose="020F0502020204030204" pitchFamily="34" charset="0"/>
+                <a:cs typeface="Calibri" panose="020F0502020204030204" pitchFamily="34" charset="0"/>
+              </a:rPr>
+              <a:t>?</a:t>
+            </a:r>
+            <a:r>
+              <a:rPr lang="en-US" sz="9600" b="1" dirty="0">
+                <a:latin typeface="Calibri" panose="020F0502020204030204" pitchFamily="34" charset="0"/>
+                <a:cs typeface="Calibri" panose="020F0502020204030204" pitchFamily="34" charset="0"/>
+              </a:rPr>
+              <a:t> </a:t>
+            </a:r>
+            <a:r>
+              <a:rPr lang="en-US" sz="9600" b="1" dirty="0" smtClean="0">
+                <a:latin typeface="Calibri" panose="020F0502020204030204" pitchFamily="34" charset="0"/>
+                <a:cs typeface="Calibri" panose="020F0502020204030204" pitchFamily="34" charset="0"/>
+              </a:rPr>
+              <a:t>?</a:t>
+            </a:r>
+            <a:r>
+              <a:rPr lang="en-US" sz="9600" b="1" dirty="0">
+                <a:latin typeface="Calibri" panose="020F0502020204030204" pitchFamily="34" charset="0"/>
+                <a:cs typeface="Calibri" panose="020F0502020204030204" pitchFamily="34" charset="0"/>
+              </a:rPr>
+              <a:t> </a:t>
+            </a:r>
+            <a:r>
+              <a:rPr lang="en-US" sz="9600" b="1">
+                <a:latin typeface="Calibri" panose="020F0502020204030204" pitchFamily="34" charset="0"/>
+                <a:cs typeface="Calibri" panose="020F0502020204030204" pitchFamily="34" charset="0"/>
+              </a:rPr>
+              <a:t>?</a:t>
+            </a:r>
+            <a:endParaRPr lang="en-US" sz="9600" b="1" dirty="0">
+              <a:latin typeface="Calibri" panose="020F0502020204030204" pitchFamily="34" charset="0"/>
+              <a:cs typeface="Calibri" panose="020F0502020204030204" pitchFamily="34" charset="0"/>
+            </a:endParaRPr>
           </a:p>
         </p:txBody>
       </p:sp>
     </p:spTree>
     <p:extLst>
       <p:ext uri="{BB962C8B-B14F-4D97-AF65-F5344CB8AC3E}">
-        <p14:creationId xmlns:p14="http://schemas.microsoft.com/office/powerpoint/2010/main" val="2302092751"/>
+        <p14:creationId xmlns:p14="http://schemas.microsoft.com/office/powerpoint/2010/main" val="3593717841"/>
       </p:ext>
     </p:extLst>
   </p:cSld>
@@ -16853,123 +17105,42 @@
           <a:p>
             <a:r>
               <a:rPr lang="en-US" dirty="0" smtClean="0"/>
-              <a:t>Task Division</a:t>
+              <a:t>Program Structure</a:t>
             </a:r>
             <a:endParaRPr lang="en-US" dirty="0"/>
           </a:p>
         </p:txBody>
       </p:sp>
-      <p:sp>
-        <p:nvSpPr>
-          <p:cNvPr id="3" name="Content Placeholder 2"/>
-          <p:cNvSpPr>
-            <a:spLocks noGrp="1"/>
-          </p:cNvSpPr>
+      <p:pic>
+        <p:nvPicPr>
+          <p:cNvPr id="4" name="Content Placeholder 3"/>
+          <p:cNvPicPr>
+            <a:picLocks noGrp="1" noChangeAspect="1"/>
+          </p:cNvPicPr>
           <p:nvPr>
             <p:ph idx="1"/>
           </p:nvPr>
-        </p:nvSpPr>
+        </p:nvPicPr>
+        <p:blipFill>
+          <a:blip r:embed="rId2"/>
+          <a:stretch>
+            <a:fillRect/>
+          </a:stretch>
+        </p:blipFill>
         <p:spPr>
           <a:xfrm>
-            <a:off x="519954" y="2552700"/>
-            <a:ext cx="9855946" cy="3416300"/>
+            <a:off x="625726" y="2667000"/>
+            <a:ext cx="9775573" cy="3416300"/>
           </a:xfrm>
+          <a:prstGeom prst="rect">
+            <a:avLst/>
+          </a:prstGeom>
         </p:spPr>
-        <p:txBody>
-          <a:bodyPr>
-            <a:noAutofit/>
-          </a:bodyPr>
-          <a:lstStyle/>
-          <a:p>
-            <a:pPr marL="0" indent="0">
-              <a:buNone/>
-            </a:pPr>
-            <a:r>
-              <a:rPr lang="en-US" sz="2400" dirty="0" smtClean="0">
-                <a:latin typeface="Calibri" panose="020F0502020204030204" pitchFamily="34" charset="0"/>
-                <a:cs typeface="Calibri" panose="020F0502020204030204" pitchFamily="34" charset="0"/>
-              </a:rPr>
-              <a:t>The team consists of 3 developers;</a:t>
-            </a:r>
-          </a:p>
-          <a:p>
-            <a:r>
-              <a:rPr lang="en-US" sz="2400" dirty="0" err="1" smtClean="0">
-                <a:latin typeface="Calibri" panose="020F0502020204030204" pitchFamily="34" charset="0"/>
-                <a:cs typeface="Calibri" panose="020F0502020204030204" pitchFamily="34" charset="0"/>
-              </a:rPr>
-              <a:t>Amatya</a:t>
-            </a:r>
-            <a:r>
-              <a:rPr lang="en-US" sz="2400" dirty="0">
-                <a:latin typeface="Calibri" panose="020F0502020204030204" pitchFamily="34" charset="0"/>
-                <a:cs typeface="Calibri" panose="020F0502020204030204" pitchFamily="34" charset="0"/>
-              </a:rPr>
-              <a:t>, </a:t>
-            </a:r>
-            <a:r>
-              <a:rPr lang="en-US" sz="2400" dirty="0" err="1" smtClean="0">
-                <a:latin typeface="Calibri" panose="020F0502020204030204" pitchFamily="34" charset="0"/>
-                <a:cs typeface="Calibri" panose="020F0502020204030204" pitchFamily="34" charset="0"/>
-              </a:rPr>
-              <a:t>Prawan</a:t>
-            </a:r>
-            <a:endParaRPr lang="en-US" sz="2400" dirty="0" smtClean="0">
-              <a:latin typeface="Calibri" panose="020F0502020204030204" pitchFamily="34" charset="0"/>
-              <a:cs typeface="Calibri" panose="020F0502020204030204" pitchFamily="34" charset="0"/>
-            </a:endParaRPr>
-          </a:p>
-          <a:p>
-            <a:r>
-              <a:rPr lang="en-US" sz="2400" dirty="0" smtClean="0">
-                <a:latin typeface="Calibri" panose="020F0502020204030204" pitchFamily="34" charset="0"/>
-                <a:cs typeface="Calibri" panose="020F0502020204030204" pitchFamily="34" charset="0"/>
-              </a:rPr>
-              <a:t>George, Ogungbemile</a:t>
-            </a:r>
-          </a:p>
-          <a:p>
-            <a:r>
-              <a:rPr lang="en-US" sz="2400" dirty="0">
-                <a:latin typeface="Calibri" panose="020F0502020204030204" pitchFamily="34" charset="0"/>
-                <a:cs typeface="Calibri" panose="020F0502020204030204" pitchFamily="34" charset="0"/>
-              </a:rPr>
-              <a:t>Zhang, </a:t>
-            </a:r>
-            <a:r>
-              <a:rPr lang="en-US" sz="2400" dirty="0" err="1" smtClean="0">
-                <a:latin typeface="Calibri" panose="020F0502020204030204" pitchFamily="34" charset="0"/>
-                <a:cs typeface="Calibri" panose="020F0502020204030204" pitchFamily="34" charset="0"/>
-              </a:rPr>
-              <a:t>Zhaohe</a:t>
-            </a:r>
-            <a:endParaRPr lang="en-US" sz="2400" dirty="0" smtClean="0">
-              <a:latin typeface="Calibri" panose="020F0502020204030204" pitchFamily="34" charset="0"/>
-              <a:cs typeface="Calibri" panose="020F0502020204030204" pitchFamily="34" charset="0"/>
-            </a:endParaRPr>
-          </a:p>
-          <a:p>
-            <a:pPr marL="0" indent="0">
-              <a:buNone/>
-            </a:pPr>
-            <a:r>
-              <a:rPr lang="en-US" sz="2400" dirty="0" smtClean="0">
-                <a:latin typeface="Calibri" panose="020F0502020204030204" pitchFamily="34" charset="0"/>
-                <a:cs typeface="Calibri" panose="020F0502020204030204" pitchFamily="34" charset="0"/>
-              </a:rPr>
-              <a:t>Each developer writes code for different functions that make up the application as a whole. This approach is well suited for this project and allows for efficient time management.</a:t>
-            </a:r>
-            <a:endParaRPr lang="en-US" sz="2400" dirty="0">
-              <a:latin typeface="Calibri" panose="020F0502020204030204" pitchFamily="34" charset="0"/>
-              <a:cs typeface="Calibri" panose="020F0502020204030204" pitchFamily="34" charset="0"/>
-            </a:endParaRPr>
-          </a:p>
-        </p:txBody>
-      </p:sp>
+      </p:pic>
     </p:spTree>
     <p:extLst>
       <p:ext uri="{BB962C8B-B14F-4D97-AF65-F5344CB8AC3E}">
-        <p14:creationId xmlns:p14="http://schemas.microsoft.com/office/powerpoint/2010/main" val="3617184058"/>
+        <p14:creationId xmlns:p14="http://schemas.microsoft.com/office/powerpoint/2010/main" val="2036024218"/>
       </p:ext>
     </p:extLst>
   </p:cSld>
@@ -17013,7 +17184,7 @@
           <a:p>
             <a:r>
               <a:rPr lang="en-US" dirty="0" smtClean="0"/>
-              <a:t>Individual roles of developers</a:t>
+              <a:t>Task Division</a:t>
             </a:r>
             <a:endParaRPr lang="en-US" dirty="0"/>
           </a:p>
@@ -17031,8 +17202,8 @@
         </p:nvSpPr>
         <p:spPr>
           <a:xfrm>
-            <a:off x="545354" y="2565400"/>
-            <a:ext cx="9995646" cy="3784600"/>
+            <a:off x="519954" y="2552700"/>
+            <a:ext cx="9855946" cy="3416300"/>
           </a:xfrm>
         </p:spPr>
         <p:txBody>
@@ -17041,36 +17212,51 @@
           </a:bodyPr>
           <a:lstStyle/>
           <a:p>
+            <a:pPr marL="0" indent="0">
+              <a:buNone/>
+            </a:pPr>
             <a:r>
               <a:rPr lang="en-US" sz="2400" dirty="0" smtClean="0">
                 <a:latin typeface="Calibri" panose="020F0502020204030204" pitchFamily="34" charset="0"/>
                 <a:cs typeface="Calibri" panose="020F0502020204030204" pitchFamily="34" charset="0"/>
               </a:rPr>
-              <a:t>George Ogungbemile</a:t>
-            </a:r>
-          </a:p>
-          <a:p>
-            <a:pPr marL="0" indent="0">
-              <a:buNone/>
-            </a:pPr>
+              <a:t>The team consists of 3 developers;</a:t>
+            </a:r>
+          </a:p>
+          <a:p>
+            <a:r>
+              <a:rPr lang="en-US" sz="2400" dirty="0" err="1" smtClean="0">
+                <a:latin typeface="Calibri" panose="020F0502020204030204" pitchFamily="34" charset="0"/>
+                <a:cs typeface="Calibri" panose="020F0502020204030204" pitchFamily="34" charset="0"/>
+              </a:rPr>
+              <a:t>Amatya</a:t>
+            </a:r>
+            <a:r>
+              <a:rPr lang="en-US" sz="2400" dirty="0">
+                <a:latin typeface="Calibri" panose="020F0502020204030204" pitchFamily="34" charset="0"/>
+                <a:cs typeface="Calibri" panose="020F0502020204030204" pitchFamily="34" charset="0"/>
+              </a:rPr>
+              <a:t>, </a:t>
+            </a:r>
+            <a:r>
+              <a:rPr lang="en-US" sz="2400" dirty="0" err="1" smtClean="0">
+                <a:latin typeface="Calibri" panose="020F0502020204030204" pitchFamily="34" charset="0"/>
+                <a:cs typeface="Calibri" panose="020F0502020204030204" pitchFamily="34" charset="0"/>
+              </a:rPr>
+              <a:t>Prawan</a:t>
+            </a:r>
+            <a:endParaRPr lang="en-US" sz="2400" dirty="0" smtClean="0">
+              <a:latin typeface="Calibri" panose="020F0502020204030204" pitchFamily="34" charset="0"/>
+              <a:cs typeface="Calibri" panose="020F0502020204030204" pitchFamily="34" charset="0"/>
+            </a:endParaRPr>
+          </a:p>
+          <a:p>
             <a:r>
               <a:rPr lang="en-US" sz="2400" dirty="0" smtClean="0">
                 <a:latin typeface="Calibri" panose="020F0502020204030204" pitchFamily="34" charset="0"/>
                 <a:cs typeface="Calibri" panose="020F0502020204030204" pitchFamily="34" charset="0"/>
               </a:rPr>
-              <a:t>Sourced for online datasets compatible with geographical information system development.</a:t>
-            </a:r>
-          </a:p>
-          <a:p>
-            <a:pPr marL="0" indent="0">
-              <a:buNone/>
-            </a:pPr>
-            <a:r>
-              <a:rPr lang="en-US" sz="2400" dirty="0" smtClean="0">
-                <a:latin typeface="Calibri" panose="020F0502020204030204" pitchFamily="34" charset="0"/>
-                <a:cs typeface="Calibri" panose="020F0502020204030204" pitchFamily="34" charset="0"/>
-              </a:rPr>
-              <a:t>Handled development of heat map function</a:t>
+              <a:t>George, Ogungbemile</a:t>
             </a:r>
           </a:p>
           <a:p>
@@ -17082,51 +17268,39 @@
               <a:t>Zhang, </a:t>
             </a:r>
             <a:r>
-              <a:rPr lang="en-US" sz="2400" dirty="0" err="1">
+              <a:rPr lang="en-US" sz="2400" dirty="0" err="1" smtClean="0">
                 <a:latin typeface="Calibri" panose="020F0502020204030204" pitchFamily="34" charset="0"/>
                 <a:cs typeface="Calibri" panose="020F0502020204030204" pitchFamily="34" charset="0"/>
               </a:rPr>
               <a:t>Zhaohe</a:t>
             </a:r>
+            <a:endParaRPr lang="en-US" sz="2400" dirty="0" smtClean="0">
+              <a:latin typeface="Calibri" panose="020F0502020204030204" pitchFamily="34" charset="0"/>
+              <a:cs typeface="Calibri" panose="020F0502020204030204" pitchFamily="34" charset="0"/>
+            </a:endParaRPr>
+          </a:p>
+          <a:p>
+            <a:pPr marL="0" indent="0">
+              <a:buNone/>
+            </a:pPr>
+            <a:r>
+              <a:rPr lang="en-US" sz="2400" dirty="0" smtClean="0">
+                <a:latin typeface="Calibri" panose="020F0502020204030204" pitchFamily="34" charset="0"/>
+                <a:cs typeface="Calibri" panose="020F0502020204030204" pitchFamily="34" charset="0"/>
+              </a:rPr>
+              <a:t>Each developer writes code for different functions that make up the application as a whole. This approach is well suited for this project and allows for efficient time management.</a:t>
+            </a:r>
             <a:endParaRPr lang="en-US" sz="2400" dirty="0">
               <a:latin typeface="Calibri" panose="020F0502020204030204" pitchFamily="34" charset="0"/>
               <a:cs typeface="Calibri" panose="020F0502020204030204" pitchFamily="34" charset="0"/>
             </a:endParaRPr>
           </a:p>
-          <a:p>
-            <a:pPr marL="0" indent="0">
-              <a:buNone/>
-            </a:pPr>
-            <a:r>
-              <a:rPr lang="en-US" sz="2400" dirty="0" smtClean="0">
-                <a:latin typeface="Calibri" panose="020F0502020204030204" pitchFamily="34" charset="0"/>
-                <a:cs typeface="Calibri" panose="020F0502020204030204" pitchFamily="34" charset="0"/>
-              </a:rPr>
-              <a:t>Sourced for optimal libraries compatible with geographical information systems development and determined folium library was best suited for the project.</a:t>
-            </a:r>
-          </a:p>
-          <a:p>
-            <a:pPr marL="0" indent="0">
-              <a:buNone/>
-            </a:pPr>
-            <a:r>
-              <a:rPr lang="en-US" sz="2400" dirty="0" smtClean="0">
-                <a:latin typeface="Calibri" panose="020F0502020204030204" pitchFamily="34" charset="0"/>
-                <a:cs typeface="Calibri" panose="020F0502020204030204" pitchFamily="34" charset="0"/>
-              </a:rPr>
-              <a:t>Handled development of the marker function</a:t>
-            </a:r>
-            <a:endParaRPr lang="en-US" sz="2400" dirty="0">
-              <a:latin typeface="Calibri" panose="020F0502020204030204" pitchFamily="34" charset="0"/>
-              <a:cs typeface="Calibri" panose="020F0502020204030204" pitchFamily="34" charset="0"/>
-            </a:endParaRPr>
-          </a:p>
         </p:txBody>
       </p:sp>
     </p:spTree>
     <p:extLst>
       <p:ext uri="{BB962C8B-B14F-4D97-AF65-F5344CB8AC3E}">
-        <p14:creationId xmlns:p14="http://schemas.microsoft.com/office/powerpoint/2010/main" val="4196808393"/>
+        <p14:creationId xmlns:p14="http://schemas.microsoft.com/office/powerpoint/2010/main" val="3617184058"/>
       </p:ext>
     </p:extLst>
   </p:cSld>
@@ -17155,6 +17329,29 @@
       </p:grpSpPr>
       <p:sp>
         <p:nvSpPr>
+          <p:cNvPr id="2" name="Title 1"/>
+          <p:cNvSpPr>
+            <a:spLocks noGrp="1"/>
+          </p:cNvSpPr>
+          <p:nvPr>
+            <p:ph type="title"/>
+          </p:nvPr>
+        </p:nvSpPr>
+        <p:spPr/>
+        <p:txBody>
+          <a:bodyPr/>
+          <a:lstStyle/>
+          <a:p>
+            <a:r>
+              <a:rPr lang="en-US" dirty="0" smtClean="0"/>
+              <a:t>Individual roles of developers</a:t>
+            </a:r>
+            <a:endParaRPr lang="en-US" dirty="0"/>
+          </a:p>
+        </p:txBody>
+      </p:sp>
+      <p:sp>
+        <p:nvSpPr>
           <p:cNvPr id="3" name="Content Placeholder 2"/>
           <p:cNvSpPr>
             <a:spLocks noGrp="1"/>
@@ -17165,36 +17362,62 @@
         </p:nvSpPr>
         <p:spPr>
           <a:xfrm>
-            <a:off x="519954" y="2565400"/>
-            <a:ext cx="9932146" cy="3416300"/>
+            <a:off x="545354" y="2565400"/>
+            <a:ext cx="9995646" cy="3784600"/>
           </a:xfrm>
         </p:spPr>
         <p:txBody>
           <a:bodyPr>
-            <a:normAutofit/>
+            <a:noAutofit/>
           </a:bodyPr>
           <a:lstStyle/>
           <a:p>
+            <a:r>
+              <a:rPr lang="en-US" sz="2400" dirty="0" smtClean="0">
+                <a:latin typeface="Calibri" panose="020F0502020204030204" pitchFamily="34" charset="0"/>
+                <a:cs typeface="Calibri" panose="020F0502020204030204" pitchFamily="34" charset="0"/>
+              </a:rPr>
+              <a:t>George Ogungbemile</a:t>
+            </a:r>
+          </a:p>
+          <a:p>
+            <a:pPr marL="0" indent="0">
+              <a:buNone/>
+            </a:pPr>
+            <a:r>
+              <a:rPr lang="en-US" sz="2400" dirty="0" smtClean="0">
+                <a:latin typeface="Calibri" panose="020F0502020204030204" pitchFamily="34" charset="0"/>
+                <a:cs typeface="Calibri" panose="020F0502020204030204" pitchFamily="34" charset="0"/>
+              </a:rPr>
+              <a:t>Sourced for online datasets compatible with geographical information system development.</a:t>
+            </a:r>
+          </a:p>
+          <a:p>
+            <a:pPr marL="0" indent="0">
+              <a:buNone/>
+            </a:pPr>
+            <a:r>
+              <a:rPr lang="en-US" sz="2400" dirty="0" smtClean="0">
+                <a:latin typeface="Calibri" panose="020F0502020204030204" pitchFamily="34" charset="0"/>
+                <a:cs typeface="Calibri" panose="020F0502020204030204" pitchFamily="34" charset="0"/>
+              </a:rPr>
+              <a:t>Handled development of heat map function</a:t>
+            </a:r>
+          </a:p>
+          <a:p>
+            <a:r>
+              <a:rPr lang="en-US" sz="2400" dirty="0">
+                <a:latin typeface="Calibri" panose="020F0502020204030204" pitchFamily="34" charset="0"/>
+                <a:cs typeface="Calibri" panose="020F0502020204030204" pitchFamily="34" charset="0"/>
+              </a:rPr>
+              <a:t>Zhang, </a:t>
+            </a:r>
             <a:r>
               <a:rPr lang="en-US" sz="2400" dirty="0" err="1">
                 <a:latin typeface="Calibri" panose="020F0502020204030204" pitchFamily="34" charset="0"/>
                 <a:cs typeface="Calibri" panose="020F0502020204030204" pitchFamily="34" charset="0"/>
               </a:rPr>
-              <a:t>Amatya</a:t>
-            </a:r>
-            <a:r>
-              <a:rPr lang="en-US" sz="2400" dirty="0">
-                <a:latin typeface="Calibri" panose="020F0502020204030204" pitchFamily="34" charset="0"/>
-                <a:cs typeface="Calibri" panose="020F0502020204030204" pitchFamily="34" charset="0"/>
-              </a:rPr>
-              <a:t>, </a:t>
-            </a:r>
-            <a:r>
-              <a:rPr lang="en-US" sz="2400" dirty="0" err="1">
-                <a:latin typeface="Calibri" panose="020F0502020204030204" pitchFamily="34" charset="0"/>
-                <a:cs typeface="Calibri" panose="020F0502020204030204" pitchFamily="34" charset="0"/>
-              </a:rPr>
-              <a:t>Prawan</a:t>
+              <a:t>Zhaohe</a:t>
             </a:r>
             <a:endParaRPr lang="en-US" sz="2400" dirty="0">
               <a:latin typeface="Calibri" panose="020F0502020204030204" pitchFamily="34" charset="0"/>
@@ -17210,7 +17433,7 @@
                 <a:latin typeface="Calibri" panose="020F0502020204030204" pitchFamily="34" charset="0"/>
                 <a:cs typeface="Calibri" panose="020F0502020204030204" pitchFamily="34" charset="0"/>
               </a:rPr>
-              <a:t>Provided the overall project idea and scope. Provides guidance with respect to future work and scalability of the application.</a:t>
+              <a:t>Sourced for optimal libraries compatible with geographical information systems development and determined folium library was best suited for the project.</a:t>
             </a:r>
           </a:p>
           <a:p>
@@ -17222,7 +17445,7 @@
                 <a:latin typeface="Calibri" panose="020F0502020204030204" pitchFamily="34" charset="0"/>
                 <a:cs typeface="Calibri" panose="020F0502020204030204" pitchFamily="34" charset="0"/>
               </a:rPr>
-              <a:t>Handled development of the line function and polygon function. </a:t>
+              <a:t>Handled development of the marker function</a:t>
             </a:r>
             <a:endParaRPr lang="en-US" sz="2400" dirty="0">
               <a:latin typeface="Calibri" panose="020F0502020204030204" pitchFamily="34" charset="0"/>
@@ -17231,33 +17454,10 @@
           </a:p>
         </p:txBody>
       </p:sp>
-      <p:sp>
-        <p:nvSpPr>
-          <p:cNvPr id="4" name="Title 1"/>
-          <p:cNvSpPr>
-            <a:spLocks noGrp="1"/>
-          </p:cNvSpPr>
-          <p:nvPr>
-            <p:ph type="title"/>
-          </p:nvPr>
-        </p:nvSpPr>
-        <p:spPr/>
-        <p:txBody>
-          <a:bodyPr/>
-          <a:lstStyle/>
-          <a:p>
-            <a:r>
-              <a:rPr lang="en-US" dirty="0" smtClean="0"/>
-              <a:t>Individual roles of developers</a:t>
-            </a:r>
-            <a:endParaRPr lang="en-US" dirty="0"/>
-          </a:p>
-        </p:txBody>
-      </p:sp>
     </p:spTree>
     <p:extLst>
       <p:ext uri="{BB962C8B-B14F-4D97-AF65-F5344CB8AC3E}">
-        <p14:creationId xmlns:p14="http://schemas.microsoft.com/office/powerpoint/2010/main" val="987699041"/>
+        <p14:creationId xmlns:p14="http://schemas.microsoft.com/office/powerpoint/2010/main" val="4196808393"/>
       </p:ext>
     </p:extLst>
   </p:cSld>

--- a/Pjt_docs/Map Analysis Project.pptx
+++ b/Pjt_docs/Map Analysis Project.pptx
@@ -17027,20 +17027,45 @@
           <a:lstStyle/>
           <a:p>
             <a:r>
+              <a:rPr lang="en-US" sz="2400" smtClean="0">
+                <a:latin typeface="Calibri" panose="020F0502020204030204" pitchFamily="34" charset="0"/>
+                <a:cs typeface="Calibri" panose="020F0502020204030204" pitchFamily="34" charset="0"/>
+              </a:rPr>
+              <a:t>Anaconda </a:t>
+            </a:r>
+            <a:r>
+              <a:rPr lang="en-US" sz="2400" smtClean="0">
+                <a:latin typeface="Calibri" panose="020F0502020204030204" pitchFamily="34" charset="0"/>
+                <a:cs typeface="Calibri" panose="020F0502020204030204" pitchFamily="34" charset="0"/>
+              </a:rPr>
+              <a:t>Navigator</a:t>
+            </a:r>
+            <a:endParaRPr lang="en-US" sz="2400" dirty="0" smtClean="0">
+              <a:latin typeface="Calibri" panose="020F0502020204030204" pitchFamily="34" charset="0"/>
+              <a:cs typeface="Calibri" panose="020F0502020204030204" pitchFamily="34" charset="0"/>
+            </a:endParaRPr>
+          </a:p>
+          <a:p>
+            <a:r>
               <a:rPr lang="en-US" sz="2400" dirty="0" smtClean="0">
                 <a:latin typeface="Calibri" panose="020F0502020204030204" pitchFamily="34" charset="0"/>
                 <a:cs typeface="Calibri" panose="020F0502020204030204" pitchFamily="34" charset="0"/>
               </a:rPr>
-              <a:t>Anaconda Navigator (for windows)</a:t>
-            </a:r>
-          </a:p>
-          <a:p>
+              <a:t>Python </a:t>
+            </a:r>
             <a:r>
               <a:rPr lang="en-US" sz="2400" dirty="0" smtClean="0">
                 <a:latin typeface="Calibri" panose="020F0502020204030204" pitchFamily="34" charset="0"/>
                 <a:cs typeface="Calibri" panose="020F0502020204030204" pitchFamily="34" charset="0"/>
               </a:rPr>
-              <a:t>Python 2.7 (programming language)</a:t>
+              <a:t>3.6 + </a:t>
+            </a:r>
+            <a:r>
+              <a:rPr lang="en-US" sz="2400" dirty="0" smtClean="0">
+                <a:latin typeface="Calibri" panose="020F0502020204030204" pitchFamily="34" charset="0"/>
+                <a:cs typeface="Calibri" panose="020F0502020204030204" pitchFamily="34" charset="0"/>
+              </a:rPr>
+              <a:t>(programming language)</a:t>
             </a:r>
           </a:p>
           <a:p>

--- a/Pjt_docs/Map Analysis Project.pptx
+++ b/Pjt_docs/Map Analysis Project.pptx
@@ -13436,7 +13436,35 @@
                 <a:latin typeface="Calibri" panose="020F0502020204030204" pitchFamily="34" charset="0"/>
                 <a:cs typeface="Calibri" panose="020F0502020204030204" pitchFamily="34" charset="0"/>
               </a:rPr>
-              <a:t>Handled development of the line function and polygon function. </a:t>
+              <a:t>Handled </a:t>
+            </a:r>
+            <a:r>
+              <a:rPr lang="en-US" sz="2400" dirty="0" smtClean="0">
+                <a:latin typeface="Calibri" panose="020F0502020204030204" pitchFamily="34" charset="0"/>
+                <a:cs typeface="Calibri" panose="020F0502020204030204" pitchFamily="34" charset="0"/>
+              </a:rPr>
+              <a:t>initial concepts and general development </a:t>
+            </a:r>
+            <a:r>
+              <a:rPr lang="en-US" sz="2400" dirty="0" smtClean="0">
+                <a:latin typeface="Calibri" panose="020F0502020204030204" pitchFamily="34" charset="0"/>
+                <a:cs typeface="Calibri" panose="020F0502020204030204" pitchFamily="34" charset="0"/>
+              </a:rPr>
+              <a:t>of the </a:t>
+            </a:r>
+            <a:r>
+              <a:rPr lang="en-US" sz="2400" dirty="0" smtClean="0">
+                <a:latin typeface="Calibri" panose="020F0502020204030204" pitchFamily="34" charset="0"/>
+                <a:cs typeface="Calibri" panose="020F0502020204030204" pitchFamily="34" charset="0"/>
+              </a:rPr>
+              <a:t>functions related to the map elements including marker, polylines </a:t>
+            </a:r>
+            <a:r>
+              <a:rPr lang="en-US" sz="2400" smtClean="0">
+                <a:latin typeface="Calibri" panose="020F0502020204030204" pitchFamily="34" charset="0"/>
+                <a:cs typeface="Calibri" panose="020F0502020204030204" pitchFamily="34" charset="0"/>
+              </a:rPr>
+              <a:t>and polygons. </a:t>
             </a:r>
             <a:endParaRPr lang="en-US" sz="2400" dirty="0">
               <a:latin typeface="Calibri" panose="020F0502020204030204" pitchFamily="34" charset="0"/>
@@ -17031,14 +17059,7 @@
                 <a:latin typeface="Calibri" panose="020F0502020204030204" pitchFamily="34" charset="0"/>
                 <a:cs typeface="Calibri" panose="020F0502020204030204" pitchFamily="34" charset="0"/>
               </a:rPr>
-              <a:t>Anaconda </a:t>
-            </a:r>
-            <a:r>
-              <a:rPr lang="en-US" sz="2400" smtClean="0">
-                <a:latin typeface="Calibri" panose="020F0502020204030204" pitchFamily="34" charset="0"/>
-                <a:cs typeface="Calibri" panose="020F0502020204030204" pitchFamily="34" charset="0"/>
-              </a:rPr>
-              <a:t>Navigator</a:t>
+              <a:t>Anaconda Navigator</a:t>
             </a:r>
             <a:endParaRPr lang="en-US" sz="2400" dirty="0" smtClean="0">
               <a:latin typeface="Calibri" panose="020F0502020204030204" pitchFamily="34" charset="0"/>
@@ -17051,21 +17072,7 @@
                 <a:latin typeface="Calibri" panose="020F0502020204030204" pitchFamily="34" charset="0"/>
                 <a:cs typeface="Calibri" panose="020F0502020204030204" pitchFamily="34" charset="0"/>
               </a:rPr>
-              <a:t>Python </a:t>
-            </a:r>
-            <a:r>
-              <a:rPr lang="en-US" sz="2400" dirty="0" smtClean="0">
-                <a:latin typeface="Calibri" panose="020F0502020204030204" pitchFamily="34" charset="0"/>
-                <a:cs typeface="Calibri" panose="020F0502020204030204" pitchFamily="34" charset="0"/>
-              </a:rPr>
-              <a:t>3.6 + </a:t>
-            </a:r>
-            <a:r>
-              <a:rPr lang="en-US" sz="2400" dirty="0" smtClean="0">
-                <a:latin typeface="Calibri" panose="020F0502020204030204" pitchFamily="34" charset="0"/>
-                <a:cs typeface="Calibri" panose="020F0502020204030204" pitchFamily="34" charset="0"/>
-              </a:rPr>
-              <a:t>(programming language)</a:t>
+              <a:t>Python 3.6 + (programming language)</a:t>
             </a:r>
           </a:p>
           <a:p>
